--- a/학술제 판넬_학생 양식.pptx
+++ b/학술제 판넬_학생 양식.pptx
@@ -1,19 +1,130 @@
 
 <file path=ppt/presentation.xml><?xml version="1.0" encoding="utf-8"?>
-<p:presentation xmlns:a="http://schemas.openxmlformats.org/drawingml/2006/main" xmlns:p="http://schemas.openxmlformats.org/presentationml/2006/main" xmlns:r="http://schemas.openxmlformats.org/officeDocument/2006/relationships" xmlns:p14="http://schemas.microsoft.com/office/powerpoint/2010/main" xmlns:p15="http://schemas.microsoft.com/office/powerpoint/2012/main" xmlns:mc="http://schemas.openxmlformats.org/markup-compatibility/2006">
+<p:presentation xmlns:a="http://schemas.openxmlformats.org/drawingml/2006/main" xmlns:r="http://schemas.openxmlformats.org/officeDocument/2006/relationships" xmlns:p="http://schemas.openxmlformats.org/presentationml/2006/main">
   <p:sldMasterIdLst>
-    <p:sldMasterId id="2147483648" r:id="rId2"/>
+    <p:sldMasterId id="2147483648" r:id="rId1"/>
   </p:sldMasterIdLst>
   <p:sldIdLst>
-    <p:sldId id="256" r:id="rId3"/>
+    <p:sldId id="256" r:id="rId2"/>
   </p:sldIdLst>
   <p:sldSz cx="21386800" cy="30279975"/>
-  <p:notesSz cx="7559675" cy="10691812"/>
+  <p:notesSz cx="7559675" cy="10691813"/>
+  <p:defaultTextStyle>
+    <a:defPPr>
+      <a:defRPr lang="ko-KR"/>
+    </a:defPPr>
+    <a:lvl1pPr marL="0" algn="l" defTabSz="914400" rtl="0" eaLnBrk="1" latinLnBrk="1" hangingPunct="1">
+      <a:defRPr sz="1800" kern="1200">
+        <a:solidFill>
+          <a:schemeClr val="tx1"/>
+        </a:solidFill>
+        <a:latin typeface="+mn-lt"/>
+        <a:ea typeface="+mn-ea"/>
+        <a:cs typeface="+mn-cs"/>
+      </a:defRPr>
+    </a:lvl1pPr>
+    <a:lvl2pPr marL="457200" algn="l" defTabSz="914400" rtl="0" eaLnBrk="1" latinLnBrk="1" hangingPunct="1">
+      <a:defRPr sz="1800" kern="1200">
+        <a:solidFill>
+          <a:schemeClr val="tx1"/>
+        </a:solidFill>
+        <a:latin typeface="+mn-lt"/>
+        <a:ea typeface="+mn-ea"/>
+        <a:cs typeface="+mn-cs"/>
+      </a:defRPr>
+    </a:lvl2pPr>
+    <a:lvl3pPr marL="914400" algn="l" defTabSz="914400" rtl="0" eaLnBrk="1" latinLnBrk="1" hangingPunct="1">
+      <a:defRPr sz="1800" kern="1200">
+        <a:solidFill>
+          <a:schemeClr val="tx1"/>
+        </a:solidFill>
+        <a:latin typeface="+mn-lt"/>
+        <a:ea typeface="+mn-ea"/>
+        <a:cs typeface="+mn-cs"/>
+      </a:defRPr>
+    </a:lvl3pPr>
+    <a:lvl4pPr marL="1371600" algn="l" defTabSz="914400" rtl="0" eaLnBrk="1" latinLnBrk="1" hangingPunct="1">
+      <a:defRPr sz="1800" kern="1200">
+        <a:solidFill>
+          <a:schemeClr val="tx1"/>
+        </a:solidFill>
+        <a:latin typeface="+mn-lt"/>
+        <a:ea typeface="+mn-ea"/>
+        <a:cs typeface="+mn-cs"/>
+      </a:defRPr>
+    </a:lvl4pPr>
+    <a:lvl5pPr marL="1828800" algn="l" defTabSz="914400" rtl="0" eaLnBrk="1" latinLnBrk="1" hangingPunct="1">
+      <a:defRPr sz="1800" kern="1200">
+        <a:solidFill>
+          <a:schemeClr val="tx1"/>
+        </a:solidFill>
+        <a:latin typeface="+mn-lt"/>
+        <a:ea typeface="+mn-ea"/>
+        <a:cs typeface="+mn-cs"/>
+      </a:defRPr>
+    </a:lvl5pPr>
+    <a:lvl6pPr marL="2286000" algn="l" defTabSz="914400" rtl="0" eaLnBrk="1" latinLnBrk="1" hangingPunct="1">
+      <a:defRPr sz="1800" kern="1200">
+        <a:solidFill>
+          <a:schemeClr val="tx1"/>
+        </a:solidFill>
+        <a:latin typeface="+mn-lt"/>
+        <a:ea typeface="+mn-ea"/>
+        <a:cs typeface="+mn-cs"/>
+      </a:defRPr>
+    </a:lvl6pPr>
+    <a:lvl7pPr marL="2743200" algn="l" defTabSz="914400" rtl="0" eaLnBrk="1" latinLnBrk="1" hangingPunct="1">
+      <a:defRPr sz="1800" kern="1200">
+        <a:solidFill>
+          <a:schemeClr val="tx1"/>
+        </a:solidFill>
+        <a:latin typeface="+mn-lt"/>
+        <a:ea typeface="+mn-ea"/>
+        <a:cs typeface="+mn-cs"/>
+      </a:defRPr>
+    </a:lvl7pPr>
+    <a:lvl8pPr marL="3200400" algn="l" defTabSz="914400" rtl="0" eaLnBrk="1" latinLnBrk="1" hangingPunct="1">
+      <a:defRPr sz="1800" kern="1200">
+        <a:solidFill>
+          <a:schemeClr val="tx1"/>
+        </a:solidFill>
+        <a:latin typeface="+mn-lt"/>
+        <a:ea typeface="+mn-ea"/>
+        <a:cs typeface="+mn-cs"/>
+      </a:defRPr>
+    </a:lvl8pPr>
+    <a:lvl9pPr marL="3657600" algn="l" defTabSz="914400" rtl="0" eaLnBrk="1" latinLnBrk="1" hangingPunct="1">
+      <a:defRPr sz="1800" kern="1200">
+        <a:solidFill>
+          <a:schemeClr val="tx1"/>
+        </a:solidFill>
+        <a:latin typeface="+mn-lt"/>
+        <a:ea typeface="+mn-ea"/>
+        <a:cs typeface="+mn-cs"/>
+      </a:defRPr>
+    </a:lvl9pPr>
+  </p:defaultTextStyle>
+  <p:extLst>
+    <p:ext uri="{EFAFB233-063F-42B5-8137-9DF3F51BA10A}">
+      <p15:sldGuideLst xmlns:p15="http://schemas.microsoft.com/office/powerpoint/2012/main">
+        <p15:guide id="1" orient="horz" pos="9537" userDrawn="1">
+          <p15:clr>
+            <a:srgbClr val="A4A3A4"/>
+          </p15:clr>
+        </p15:guide>
+        <p15:guide id="2" pos="6736" userDrawn="1">
+          <p15:clr>
+            <a:srgbClr val="A4A3A4"/>
+          </p15:clr>
+        </p15:guide>
+      </p15:sldGuideLst>
+    </p:ext>
+  </p:extLst>
 </p:presentation>
 </file>
 
 <file path=ppt/slideLayouts/slideLayout1.xml><?xml version="1.0" encoding="utf-8"?>
-<p:sldLayout xmlns:a="http://schemas.openxmlformats.org/drawingml/2006/main" xmlns:p="http://schemas.openxmlformats.org/presentationml/2006/main" xmlns:r="http://schemas.openxmlformats.org/officeDocument/2006/relationships" xmlns:p14="http://schemas.microsoft.com/office/powerpoint/2010/main" xmlns:p15="http://schemas.microsoft.com/office/powerpoint/2012/main" xmlns:mc="http://schemas.openxmlformats.org/markup-compatibility/2006" type="blank" preserve="1">
+<p:sldLayout xmlns:a="http://schemas.openxmlformats.org/drawingml/2006/main" xmlns:r="http://schemas.openxmlformats.org/officeDocument/2006/relationships" xmlns:p="http://schemas.openxmlformats.org/presentationml/2006/main" type="blank" preserve="1">
   <p:cSld name="Blank Slide">
     <p:spTree>
       <p:nvGrpSpPr>
@@ -31,11 +142,14 @@
       </p:grpSpPr>
     </p:spTree>
   </p:cSld>
+  <p:clrMapOvr>
+    <a:masterClrMapping/>
+  </p:clrMapOvr>
 </p:sldLayout>
 </file>
 
 <file path=ppt/slideLayouts/slideLayout10.xml><?xml version="1.0" encoding="utf-8"?>
-<p:sldLayout xmlns:a="http://schemas.openxmlformats.org/drawingml/2006/main" xmlns:p="http://schemas.openxmlformats.org/presentationml/2006/main" xmlns:r="http://schemas.openxmlformats.org/officeDocument/2006/relationships" xmlns:p14="http://schemas.microsoft.com/office/powerpoint/2010/main" xmlns:p15="http://schemas.microsoft.com/office/powerpoint/2012/main" xmlns:mc="http://schemas.openxmlformats.org/markup-compatibility/2006" type="objOverTx" preserve="1">
+<p:sldLayout xmlns:a="http://schemas.openxmlformats.org/drawingml/2006/main" xmlns:r="http://schemas.openxmlformats.org/officeDocument/2006/relationships" xmlns:p="http://schemas.openxmlformats.org/presentationml/2006/main" type="objOverTx" preserve="1">
   <p:cSld name="Title, Content over Content">
     <p:spTree>
       <p:nvGrpSpPr>
@@ -71,9 +185,10 @@
           </a:prstGeom>
         </p:spPr>
         <p:txBody>
-          <a:bodyPr lIns="0" rIns="0" tIns="0" bIns="0" anchor="ctr"/>
-          <a:p>
-            <a:endParaRPr b="0" lang="ko-KR" sz="5800" spc="-1" strike="noStrike">
+          <a:bodyPr lIns="0" tIns="0" rIns="0" bIns="0" anchor="ctr"/>
+          <a:lstStyle/>
+          <a:p>
+            <a:endParaRPr lang="ko-KR" sz="5800" b="0" strike="noStrike" spc="-1">
               <a:solidFill>
                 <a:srgbClr val="000000"/>
               </a:solidFill>
@@ -102,11 +217,12 @@
           </a:prstGeom>
         </p:spPr>
         <p:txBody>
-          <a:bodyPr lIns="0" rIns="0" tIns="0" bIns="0">
+          <a:bodyPr lIns="0" tIns="0" rIns="0" bIns="0">
             <a:normAutofit/>
           </a:bodyPr>
-          <a:p>
-            <a:endParaRPr b="0" lang="ko-KR" sz="10300" spc="-1" strike="noStrike">
+          <a:lstStyle/>
+          <a:p>
+            <a:endParaRPr lang="ko-KR" sz="10300" b="0" strike="noStrike" spc="-1">
               <a:solidFill>
                 <a:srgbClr val="000000"/>
               </a:solidFill>
@@ -135,11 +251,12 @@
           </a:prstGeom>
         </p:spPr>
         <p:txBody>
-          <a:bodyPr lIns="0" rIns="0" tIns="0" bIns="0">
+          <a:bodyPr lIns="0" tIns="0" rIns="0" bIns="0">
             <a:normAutofit/>
           </a:bodyPr>
-          <a:p>
-            <a:endParaRPr b="0" lang="ko-KR" sz="10300" spc="-1" strike="noStrike">
+          <a:lstStyle/>
+          <a:p>
+            <a:endParaRPr lang="ko-KR" sz="10300" b="0" strike="noStrike" spc="-1">
               <a:solidFill>
                 <a:srgbClr val="000000"/>
               </a:solidFill>
@@ -150,11 +267,14 @@
       </p:sp>
     </p:spTree>
   </p:cSld>
+  <p:clrMapOvr>
+    <a:masterClrMapping/>
+  </p:clrMapOvr>
 </p:sldLayout>
 </file>
 
 <file path=ppt/slideLayouts/slideLayout11.xml><?xml version="1.0" encoding="utf-8"?>
-<p:sldLayout xmlns:a="http://schemas.openxmlformats.org/drawingml/2006/main" xmlns:p="http://schemas.openxmlformats.org/presentationml/2006/main" xmlns:r="http://schemas.openxmlformats.org/officeDocument/2006/relationships" xmlns:p14="http://schemas.microsoft.com/office/powerpoint/2010/main" xmlns:p15="http://schemas.microsoft.com/office/powerpoint/2012/main" xmlns:mc="http://schemas.openxmlformats.org/markup-compatibility/2006" type="fourObj" preserve="1">
+<p:sldLayout xmlns:a="http://schemas.openxmlformats.org/drawingml/2006/main" xmlns:r="http://schemas.openxmlformats.org/officeDocument/2006/relationships" xmlns:p="http://schemas.openxmlformats.org/presentationml/2006/main" type="fourObj" preserve="1">
   <p:cSld name="Title, 4 Content">
     <p:spTree>
       <p:nvGrpSpPr>
@@ -190,9 +310,10 @@
           </a:prstGeom>
         </p:spPr>
         <p:txBody>
-          <a:bodyPr lIns="0" rIns="0" tIns="0" bIns="0" anchor="ctr"/>
-          <a:p>
-            <a:endParaRPr b="0" lang="ko-KR" sz="5800" spc="-1" strike="noStrike">
+          <a:bodyPr lIns="0" tIns="0" rIns="0" bIns="0" anchor="ctr"/>
+          <a:lstStyle/>
+          <a:p>
+            <a:endParaRPr lang="ko-KR" sz="5800" b="0" strike="noStrike" spc="-1">
               <a:solidFill>
                 <a:srgbClr val="000000"/>
               </a:solidFill>
@@ -221,11 +342,12 @@
           </a:prstGeom>
         </p:spPr>
         <p:txBody>
-          <a:bodyPr lIns="0" rIns="0" tIns="0" bIns="0">
+          <a:bodyPr lIns="0" tIns="0" rIns="0" bIns="0">
             <a:normAutofit/>
           </a:bodyPr>
-          <a:p>
-            <a:endParaRPr b="0" lang="ko-KR" sz="10300" spc="-1" strike="noStrike">
+          <a:lstStyle/>
+          <a:p>
+            <a:endParaRPr lang="ko-KR" sz="10300" b="0" strike="noStrike" spc="-1">
               <a:solidFill>
                 <a:srgbClr val="000000"/>
               </a:solidFill>
@@ -254,11 +376,12 @@
           </a:prstGeom>
         </p:spPr>
         <p:txBody>
-          <a:bodyPr lIns="0" rIns="0" tIns="0" bIns="0">
+          <a:bodyPr lIns="0" tIns="0" rIns="0" bIns="0">
             <a:normAutofit/>
           </a:bodyPr>
-          <a:p>
-            <a:endParaRPr b="0" lang="ko-KR" sz="10300" spc="-1" strike="noStrike">
+          <a:lstStyle/>
+          <a:p>
+            <a:endParaRPr lang="ko-KR" sz="10300" b="0" strike="noStrike" spc="-1">
               <a:solidFill>
                 <a:srgbClr val="000000"/>
               </a:solidFill>
@@ -287,11 +410,12 @@
           </a:prstGeom>
         </p:spPr>
         <p:txBody>
-          <a:bodyPr lIns="0" rIns="0" tIns="0" bIns="0">
+          <a:bodyPr lIns="0" tIns="0" rIns="0" bIns="0">
             <a:normAutofit/>
           </a:bodyPr>
-          <a:p>
-            <a:endParaRPr b="0" lang="ko-KR" sz="10300" spc="-1" strike="noStrike">
+          <a:lstStyle/>
+          <a:p>
+            <a:endParaRPr lang="ko-KR" sz="10300" b="0" strike="noStrike" spc="-1">
               <a:solidFill>
                 <a:srgbClr val="000000"/>
               </a:solidFill>
@@ -320,11 +444,12 @@
           </a:prstGeom>
         </p:spPr>
         <p:txBody>
-          <a:bodyPr lIns="0" rIns="0" tIns="0" bIns="0">
+          <a:bodyPr lIns="0" tIns="0" rIns="0" bIns="0">
             <a:normAutofit/>
           </a:bodyPr>
-          <a:p>
-            <a:endParaRPr b="0" lang="ko-KR" sz="10300" spc="-1" strike="noStrike">
+          <a:lstStyle/>
+          <a:p>
+            <a:endParaRPr lang="ko-KR" sz="10300" b="0" strike="noStrike" spc="-1">
               <a:solidFill>
                 <a:srgbClr val="000000"/>
               </a:solidFill>
@@ -335,11 +460,14 @@
       </p:sp>
     </p:spTree>
   </p:cSld>
+  <p:clrMapOvr>
+    <a:masterClrMapping/>
+  </p:clrMapOvr>
 </p:sldLayout>
 </file>
 
 <file path=ppt/slideLayouts/slideLayout12.xml><?xml version="1.0" encoding="utf-8"?>
-<p:sldLayout xmlns:a="http://schemas.openxmlformats.org/drawingml/2006/main" xmlns:p="http://schemas.openxmlformats.org/presentationml/2006/main" xmlns:r="http://schemas.openxmlformats.org/officeDocument/2006/relationships" xmlns:p14="http://schemas.microsoft.com/office/powerpoint/2010/main" xmlns:p15="http://schemas.microsoft.com/office/powerpoint/2012/main" xmlns:mc="http://schemas.openxmlformats.org/markup-compatibility/2006" type="blank" preserve="1">
+<p:sldLayout xmlns:a="http://schemas.openxmlformats.org/drawingml/2006/main" xmlns:r="http://schemas.openxmlformats.org/officeDocument/2006/relationships" xmlns:p="http://schemas.openxmlformats.org/presentationml/2006/main" type="blank" preserve="1">
   <p:cSld name="Title, 6 Content">
     <p:spTree>
       <p:nvGrpSpPr>
@@ -375,9 +503,10 @@
           </a:prstGeom>
         </p:spPr>
         <p:txBody>
-          <a:bodyPr lIns="0" rIns="0" tIns="0" bIns="0" anchor="ctr"/>
-          <a:p>
-            <a:endParaRPr b="0" lang="ko-KR" sz="5800" spc="-1" strike="noStrike">
+          <a:bodyPr lIns="0" tIns="0" rIns="0" bIns="0" anchor="ctr"/>
+          <a:lstStyle/>
+          <a:p>
+            <a:endParaRPr lang="ko-KR" sz="5800" b="0" strike="noStrike" spc="-1">
               <a:solidFill>
                 <a:srgbClr val="000000"/>
               </a:solidFill>
@@ -406,11 +535,12 @@
           </a:prstGeom>
         </p:spPr>
         <p:txBody>
-          <a:bodyPr lIns="0" rIns="0" tIns="0" bIns="0">
+          <a:bodyPr lIns="0" tIns="0" rIns="0" bIns="0">
             <a:normAutofit/>
           </a:bodyPr>
-          <a:p>
-            <a:endParaRPr b="0" lang="ko-KR" sz="10300" spc="-1" strike="noStrike">
+          <a:lstStyle/>
+          <a:p>
+            <a:endParaRPr lang="ko-KR" sz="10300" b="0" strike="noStrike" spc="-1">
               <a:solidFill>
                 <a:srgbClr val="000000"/>
               </a:solidFill>
@@ -439,11 +569,12 @@
           </a:prstGeom>
         </p:spPr>
         <p:txBody>
-          <a:bodyPr lIns="0" rIns="0" tIns="0" bIns="0">
+          <a:bodyPr lIns="0" tIns="0" rIns="0" bIns="0">
             <a:normAutofit/>
           </a:bodyPr>
-          <a:p>
-            <a:endParaRPr b="0" lang="ko-KR" sz="10300" spc="-1" strike="noStrike">
+          <a:lstStyle/>
+          <a:p>
+            <a:endParaRPr lang="ko-KR" sz="10300" b="0" strike="noStrike" spc="-1">
               <a:solidFill>
                 <a:srgbClr val="000000"/>
               </a:solidFill>
@@ -472,11 +603,12 @@
           </a:prstGeom>
         </p:spPr>
         <p:txBody>
-          <a:bodyPr lIns="0" rIns="0" tIns="0" bIns="0">
+          <a:bodyPr lIns="0" tIns="0" rIns="0" bIns="0">
             <a:normAutofit/>
           </a:bodyPr>
-          <a:p>
-            <a:endParaRPr b="0" lang="ko-KR" sz="10300" spc="-1" strike="noStrike">
+          <a:lstStyle/>
+          <a:p>
+            <a:endParaRPr lang="ko-KR" sz="10300" b="0" strike="noStrike" spc="-1">
               <a:solidFill>
                 <a:srgbClr val="000000"/>
               </a:solidFill>
@@ -505,11 +637,12 @@
           </a:prstGeom>
         </p:spPr>
         <p:txBody>
-          <a:bodyPr lIns="0" rIns="0" tIns="0" bIns="0">
+          <a:bodyPr lIns="0" tIns="0" rIns="0" bIns="0">
             <a:normAutofit/>
           </a:bodyPr>
-          <a:p>
-            <a:endParaRPr b="0" lang="ko-KR" sz="10300" spc="-1" strike="noStrike">
+          <a:lstStyle/>
+          <a:p>
+            <a:endParaRPr lang="ko-KR" sz="10300" b="0" strike="noStrike" spc="-1">
               <a:solidFill>
                 <a:srgbClr val="000000"/>
               </a:solidFill>
@@ -538,11 +671,12 @@
           </a:prstGeom>
         </p:spPr>
         <p:txBody>
-          <a:bodyPr lIns="0" rIns="0" tIns="0" bIns="0">
+          <a:bodyPr lIns="0" tIns="0" rIns="0" bIns="0">
             <a:normAutofit/>
           </a:bodyPr>
-          <a:p>
-            <a:endParaRPr b="0" lang="ko-KR" sz="10300" spc="-1" strike="noStrike">
+          <a:lstStyle/>
+          <a:p>
+            <a:endParaRPr lang="ko-KR" sz="10300" b="0" strike="noStrike" spc="-1">
               <a:solidFill>
                 <a:srgbClr val="000000"/>
               </a:solidFill>
@@ -571,11 +705,12 @@
           </a:prstGeom>
         </p:spPr>
         <p:txBody>
-          <a:bodyPr lIns="0" rIns="0" tIns="0" bIns="0">
+          <a:bodyPr lIns="0" tIns="0" rIns="0" bIns="0">
             <a:normAutofit/>
           </a:bodyPr>
-          <a:p>
-            <a:endParaRPr b="0" lang="ko-KR" sz="10300" spc="-1" strike="noStrike">
+          <a:lstStyle/>
+          <a:p>
+            <a:endParaRPr lang="ko-KR" sz="10300" b="0" strike="noStrike" spc="-1">
               <a:solidFill>
                 <a:srgbClr val="000000"/>
               </a:solidFill>
@@ -586,11 +721,14 @@
       </p:sp>
     </p:spTree>
   </p:cSld>
+  <p:clrMapOvr>
+    <a:masterClrMapping/>
+  </p:clrMapOvr>
 </p:sldLayout>
 </file>
 
 <file path=ppt/slideLayouts/slideLayout2.xml><?xml version="1.0" encoding="utf-8"?>
-<p:sldLayout xmlns:a="http://schemas.openxmlformats.org/drawingml/2006/main" xmlns:p="http://schemas.openxmlformats.org/presentationml/2006/main" xmlns:r="http://schemas.openxmlformats.org/officeDocument/2006/relationships" xmlns:p14="http://schemas.microsoft.com/office/powerpoint/2010/main" xmlns:p15="http://schemas.microsoft.com/office/powerpoint/2012/main" xmlns:mc="http://schemas.openxmlformats.org/markup-compatibility/2006" type="tx" preserve="1">
+<p:sldLayout xmlns:a="http://schemas.openxmlformats.org/drawingml/2006/main" xmlns:r="http://schemas.openxmlformats.org/officeDocument/2006/relationships" xmlns:p="http://schemas.openxmlformats.org/presentationml/2006/main" type="tx" preserve="1">
   <p:cSld name="Title Slide">
     <p:spTree>
       <p:nvGrpSpPr>
@@ -626,9 +764,10 @@
           </a:prstGeom>
         </p:spPr>
         <p:txBody>
-          <a:bodyPr lIns="0" rIns="0" tIns="0" bIns="0" anchor="ctr"/>
-          <a:p>
-            <a:endParaRPr b="0" lang="ko-KR" sz="5800" spc="-1" strike="noStrike">
+          <a:bodyPr lIns="0" tIns="0" rIns="0" bIns="0" anchor="ctr"/>
+          <a:lstStyle/>
+          <a:p>
+            <a:endParaRPr lang="ko-KR" sz="5800" b="0" strike="noStrike" spc="-1">
               <a:solidFill>
                 <a:srgbClr val="000000"/>
               </a:solidFill>
@@ -657,10 +796,11 @@
           </a:prstGeom>
         </p:spPr>
         <p:txBody>
-          <a:bodyPr lIns="0" rIns="0" tIns="0" bIns="0" anchor="ctr"/>
+          <a:bodyPr lIns="0" tIns="0" rIns="0" bIns="0" anchor="ctr"/>
+          <a:lstStyle/>
           <a:p>
             <a:pPr algn="ctr"/>
-            <a:endParaRPr b="0" lang="en-US" sz="3200" spc="-1" strike="noStrike">
+            <a:endParaRPr lang="en-US" sz="3200" b="0" strike="noStrike" spc="-1">
               <a:latin typeface="Arial"/>
             </a:endParaRPr>
           </a:p>
@@ -668,11 +808,14 @@
       </p:sp>
     </p:spTree>
   </p:cSld>
+  <p:clrMapOvr>
+    <a:masterClrMapping/>
+  </p:clrMapOvr>
 </p:sldLayout>
 </file>
 
 <file path=ppt/slideLayouts/slideLayout3.xml><?xml version="1.0" encoding="utf-8"?>
-<p:sldLayout xmlns:a="http://schemas.openxmlformats.org/drawingml/2006/main" xmlns:p="http://schemas.openxmlformats.org/presentationml/2006/main" xmlns:r="http://schemas.openxmlformats.org/officeDocument/2006/relationships" xmlns:p14="http://schemas.microsoft.com/office/powerpoint/2010/main" xmlns:p15="http://schemas.microsoft.com/office/powerpoint/2012/main" xmlns:mc="http://schemas.openxmlformats.org/markup-compatibility/2006" type="obj" preserve="1">
+<p:sldLayout xmlns:a="http://schemas.openxmlformats.org/drawingml/2006/main" xmlns:r="http://schemas.openxmlformats.org/officeDocument/2006/relationships" xmlns:p="http://schemas.openxmlformats.org/presentationml/2006/main" type="obj" preserve="1">
   <p:cSld name="Title, Content">
     <p:spTree>
       <p:nvGrpSpPr>
@@ -708,9 +851,10 @@
           </a:prstGeom>
         </p:spPr>
         <p:txBody>
-          <a:bodyPr lIns="0" rIns="0" tIns="0" bIns="0" anchor="ctr"/>
-          <a:p>
-            <a:endParaRPr b="0" lang="ko-KR" sz="5800" spc="-1" strike="noStrike">
+          <a:bodyPr lIns="0" tIns="0" rIns="0" bIns="0" anchor="ctr"/>
+          <a:lstStyle/>
+          <a:p>
+            <a:endParaRPr lang="ko-KR" sz="5800" b="0" strike="noStrike" spc="-1">
               <a:solidFill>
                 <a:srgbClr val="000000"/>
               </a:solidFill>
@@ -739,11 +883,12 @@
           </a:prstGeom>
         </p:spPr>
         <p:txBody>
-          <a:bodyPr lIns="0" rIns="0" tIns="0" bIns="0">
+          <a:bodyPr lIns="0" tIns="0" rIns="0" bIns="0">
             <a:normAutofit/>
           </a:bodyPr>
-          <a:p>
-            <a:endParaRPr b="0" lang="ko-KR" sz="10300" spc="-1" strike="noStrike">
+          <a:lstStyle/>
+          <a:p>
+            <a:endParaRPr lang="ko-KR" sz="10300" b="0" strike="noStrike" spc="-1">
               <a:solidFill>
                 <a:srgbClr val="000000"/>
               </a:solidFill>
@@ -754,11 +899,14 @@
       </p:sp>
     </p:spTree>
   </p:cSld>
+  <p:clrMapOvr>
+    <a:masterClrMapping/>
+  </p:clrMapOvr>
 </p:sldLayout>
 </file>
 
 <file path=ppt/slideLayouts/slideLayout4.xml><?xml version="1.0" encoding="utf-8"?>
-<p:sldLayout xmlns:a="http://schemas.openxmlformats.org/drawingml/2006/main" xmlns:p="http://schemas.openxmlformats.org/presentationml/2006/main" xmlns:r="http://schemas.openxmlformats.org/officeDocument/2006/relationships" xmlns:p14="http://schemas.microsoft.com/office/powerpoint/2010/main" xmlns:p15="http://schemas.microsoft.com/office/powerpoint/2012/main" xmlns:mc="http://schemas.openxmlformats.org/markup-compatibility/2006" type="twoObj" preserve="1">
+<p:sldLayout xmlns:a="http://schemas.openxmlformats.org/drawingml/2006/main" xmlns:r="http://schemas.openxmlformats.org/officeDocument/2006/relationships" xmlns:p="http://schemas.openxmlformats.org/presentationml/2006/main" type="twoObj" preserve="1">
   <p:cSld name="Title, 2 Content">
     <p:spTree>
       <p:nvGrpSpPr>
@@ -794,9 +942,10 @@
           </a:prstGeom>
         </p:spPr>
         <p:txBody>
-          <a:bodyPr lIns="0" rIns="0" tIns="0" bIns="0" anchor="ctr"/>
-          <a:p>
-            <a:endParaRPr b="0" lang="ko-KR" sz="5800" spc="-1" strike="noStrike">
+          <a:bodyPr lIns="0" tIns="0" rIns="0" bIns="0" anchor="ctr"/>
+          <a:lstStyle/>
+          <a:p>
+            <a:endParaRPr lang="ko-KR" sz="5800" b="0" strike="noStrike" spc="-1">
               <a:solidFill>
                 <a:srgbClr val="000000"/>
               </a:solidFill>
@@ -825,11 +974,12 @@
           </a:prstGeom>
         </p:spPr>
         <p:txBody>
-          <a:bodyPr lIns="0" rIns="0" tIns="0" bIns="0">
+          <a:bodyPr lIns="0" tIns="0" rIns="0" bIns="0">
             <a:normAutofit/>
           </a:bodyPr>
-          <a:p>
-            <a:endParaRPr b="0" lang="ko-KR" sz="10300" spc="-1" strike="noStrike">
+          <a:lstStyle/>
+          <a:p>
+            <a:endParaRPr lang="ko-KR" sz="10300" b="0" strike="noStrike" spc="-1">
               <a:solidFill>
                 <a:srgbClr val="000000"/>
               </a:solidFill>
@@ -858,11 +1008,12 @@
           </a:prstGeom>
         </p:spPr>
         <p:txBody>
-          <a:bodyPr lIns="0" rIns="0" tIns="0" bIns="0">
+          <a:bodyPr lIns="0" tIns="0" rIns="0" bIns="0">
             <a:normAutofit/>
           </a:bodyPr>
-          <a:p>
-            <a:endParaRPr b="0" lang="ko-KR" sz="10300" spc="-1" strike="noStrike">
+          <a:lstStyle/>
+          <a:p>
+            <a:endParaRPr lang="ko-KR" sz="10300" b="0" strike="noStrike" spc="-1">
               <a:solidFill>
                 <a:srgbClr val="000000"/>
               </a:solidFill>
@@ -873,11 +1024,14 @@
       </p:sp>
     </p:spTree>
   </p:cSld>
+  <p:clrMapOvr>
+    <a:masterClrMapping/>
+  </p:clrMapOvr>
 </p:sldLayout>
 </file>
 
 <file path=ppt/slideLayouts/slideLayout5.xml><?xml version="1.0" encoding="utf-8"?>
-<p:sldLayout xmlns:a="http://schemas.openxmlformats.org/drawingml/2006/main" xmlns:p="http://schemas.openxmlformats.org/presentationml/2006/main" xmlns:r="http://schemas.openxmlformats.org/officeDocument/2006/relationships" xmlns:p14="http://schemas.microsoft.com/office/powerpoint/2010/main" xmlns:p15="http://schemas.microsoft.com/office/powerpoint/2012/main" xmlns:mc="http://schemas.openxmlformats.org/markup-compatibility/2006" type="titleOnly" preserve="1">
+<p:sldLayout xmlns:a="http://schemas.openxmlformats.org/drawingml/2006/main" xmlns:r="http://schemas.openxmlformats.org/officeDocument/2006/relationships" xmlns:p="http://schemas.openxmlformats.org/presentationml/2006/main" type="titleOnly" preserve="1">
   <p:cSld name="Title Only">
     <p:spTree>
       <p:nvGrpSpPr>
@@ -913,9 +1067,10 @@
           </a:prstGeom>
         </p:spPr>
         <p:txBody>
-          <a:bodyPr lIns="0" rIns="0" tIns="0" bIns="0" anchor="ctr"/>
-          <a:p>
-            <a:endParaRPr b="0" lang="ko-KR" sz="5800" spc="-1" strike="noStrike">
+          <a:bodyPr lIns="0" tIns="0" rIns="0" bIns="0" anchor="ctr"/>
+          <a:lstStyle/>
+          <a:p>
+            <a:endParaRPr lang="ko-KR" sz="5800" b="0" strike="noStrike" spc="-1">
               <a:solidFill>
                 <a:srgbClr val="000000"/>
               </a:solidFill>
@@ -926,11 +1081,14 @@
       </p:sp>
     </p:spTree>
   </p:cSld>
+  <p:clrMapOvr>
+    <a:masterClrMapping/>
+  </p:clrMapOvr>
 </p:sldLayout>
 </file>
 
 <file path=ppt/slideLayouts/slideLayout6.xml><?xml version="1.0" encoding="utf-8"?>
-<p:sldLayout xmlns:a="http://schemas.openxmlformats.org/drawingml/2006/main" xmlns:p="http://schemas.openxmlformats.org/presentationml/2006/main" xmlns:r="http://schemas.openxmlformats.org/officeDocument/2006/relationships" xmlns:p14="http://schemas.microsoft.com/office/powerpoint/2010/main" xmlns:p15="http://schemas.microsoft.com/office/powerpoint/2012/main" xmlns:mc="http://schemas.openxmlformats.org/markup-compatibility/2006" type="objOnly" preserve="1">
+<p:sldLayout xmlns:a="http://schemas.openxmlformats.org/drawingml/2006/main" xmlns:r="http://schemas.openxmlformats.org/officeDocument/2006/relationships" xmlns:p="http://schemas.openxmlformats.org/presentationml/2006/main" type="objOnly" preserve="1">
   <p:cSld name="Centered Text">
     <p:spTree>
       <p:nvGrpSpPr>
@@ -966,10 +1124,11 @@
           </a:prstGeom>
         </p:spPr>
         <p:txBody>
-          <a:bodyPr lIns="0" rIns="0" tIns="0" bIns="0" anchor="ctr"/>
+          <a:bodyPr lIns="0" tIns="0" rIns="0" bIns="0" anchor="ctr"/>
+          <a:lstStyle/>
           <a:p>
             <a:pPr algn="ctr"/>
-            <a:endParaRPr b="0" lang="en-US" sz="3200" spc="-1" strike="noStrike">
+            <a:endParaRPr lang="en-US" sz="3200" b="0" strike="noStrike" spc="-1">
               <a:latin typeface="Arial"/>
             </a:endParaRPr>
           </a:p>
@@ -977,11 +1136,14 @@
       </p:sp>
     </p:spTree>
   </p:cSld>
+  <p:clrMapOvr>
+    <a:masterClrMapping/>
+  </p:clrMapOvr>
 </p:sldLayout>
 </file>
 
 <file path=ppt/slideLayouts/slideLayout7.xml><?xml version="1.0" encoding="utf-8"?>
-<p:sldLayout xmlns:a="http://schemas.openxmlformats.org/drawingml/2006/main" xmlns:p="http://schemas.openxmlformats.org/presentationml/2006/main" xmlns:r="http://schemas.openxmlformats.org/officeDocument/2006/relationships" xmlns:p14="http://schemas.microsoft.com/office/powerpoint/2010/main" xmlns:p15="http://schemas.microsoft.com/office/powerpoint/2012/main" xmlns:mc="http://schemas.openxmlformats.org/markup-compatibility/2006" type="twoObjAndObj" preserve="1">
+<p:sldLayout xmlns:a="http://schemas.openxmlformats.org/drawingml/2006/main" xmlns:r="http://schemas.openxmlformats.org/officeDocument/2006/relationships" xmlns:p="http://schemas.openxmlformats.org/presentationml/2006/main" type="twoObjAndObj" preserve="1">
   <p:cSld name="Title, 2 Content and Content">
     <p:spTree>
       <p:nvGrpSpPr>
@@ -1017,9 +1179,10 @@
           </a:prstGeom>
         </p:spPr>
         <p:txBody>
-          <a:bodyPr lIns="0" rIns="0" tIns="0" bIns="0" anchor="ctr"/>
-          <a:p>
-            <a:endParaRPr b="0" lang="ko-KR" sz="5800" spc="-1" strike="noStrike">
+          <a:bodyPr lIns="0" tIns="0" rIns="0" bIns="0" anchor="ctr"/>
+          <a:lstStyle/>
+          <a:p>
+            <a:endParaRPr lang="ko-KR" sz="5800" b="0" strike="noStrike" spc="-1">
               <a:solidFill>
                 <a:srgbClr val="000000"/>
               </a:solidFill>
@@ -1048,11 +1211,12 @@
           </a:prstGeom>
         </p:spPr>
         <p:txBody>
-          <a:bodyPr lIns="0" rIns="0" tIns="0" bIns="0">
+          <a:bodyPr lIns="0" tIns="0" rIns="0" bIns="0">
             <a:normAutofit/>
           </a:bodyPr>
-          <a:p>
-            <a:endParaRPr b="0" lang="ko-KR" sz="10300" spc="-1" strike="noStrike">
+          <a:lstStyle/>
+          <a:p>
+            <a:endParaRPr lang="ko-KR" sz="10300" b="0" strike="noStrike" spc="-1">
               <a:solidFill>
                 <a:srgbClr val="000000"/>
               </a:solidFill>
@@ -1081,11 +1245,12 @@
           </a:prstGeom>
         </p:spPr>
         <p:txBody>
-          <a:bodyPr lIns="0" rIns="0" tIns="0" bIns="0">
+          <a:bodyPr lIns="0" tIns="0" rIns="0" bIns="0">
             <a:normAutofit/>
           </a:bodyPr>
-          <a:p>
-            <a:endParaRPr b="0" lang="ko-KR" sz="10300" spc="-1" strike="noStrike">
+          <a:lstStyle/>
+          <a:p>
+            <a:endParaRPr lang="ko-KR" sz="10300" b="0" strike="noStrike" spc="-1">
               <a:solidFill>
                 <a:srgbClr val="000000"/>
               </a:solidFill>
@@ -1114,11 +1279,12 @@
           </a:prstGeom>
         </p:spPr>
         <p:txBody>
-          <a:bodyPr lIns="0" rIns="0" tIns="0" bIns="0">
+          <a:bodyPr lIns="0" tIns="0" rIns="0" bIns="0">
             <a:normAutofit/>
           </a:bodyPr>
-          <a:p>
-            <a:endParaRPr b="0" lang="ko-KR" sz="10300" spc="-1" strike="noStrike">
+          <a:lstStyle/>
+          <a:p>
+            <a:endParaRPr lang="ko-KR" sz="10300" b="0" strike="noStrike" spc="-1">
               <a:solidFill>
                 <a:srgbClr val="000000"/>
               </a:solidFill>
@@ -1129,11 +1295,14 @@
       </p:sp>
     </p:spTree>
   </p:cSld>
+  <p:clrMapOvr>
+    <a:masterClrMapping/>
+  </p:clrMapOvr>
 </p:sldLayout>
 </file>
 
 <file path=ppt/slideLayouts/slideLayout8.xml><?xml version="1.0" encoding="utf-8"?>
-<p:sldLayout xmlns:a="http://schemas.openxmlformats.org/drawingml/2006/main" xmlns:p="http://schemas.openxmlformats.org/presentationml/2006/main" xmlns:r="http://schemas.openxmlformats.org/officeDocument/2006/relationships" xmlns:p14="http://schemas.microsoft.com/office/powerpoint/2010/main" xmlns:p15="http://schemas.microsoft.com/office/powerpoint/2012/main" xmlns:mc="http://schemas.openxmlformats.org/markup-compatibility/2006" type="objAndTwoObj" preserve="1">
+<p:sldLayout xmlns:a="http://schemas.openxmlformats.org/drawingml/2006/main" xmlns:r="http://schemas.openxmlformats.org/officeDocument/2006/relationships" xmlns:p="http://schemas.openxmlformats.org/presentationml/2006/main" type="objAndTwoObj" preserve="1">
   <p:cSld name="Title Content and 2 Content">
     <p:spTree>
       <p:nvGrpSpPr>
@@ -1169,9 +1338,10 @@
           </a:prstGeom>
         </p:spPr>
         <p:txBody>
-          <a:bodyPr lIns="0" rIns="0" tIns="0" bIns="0" anchor="ctr"/>
-          <a:p>
-            <a:endParaRPr b="0" lang="ko-KR" sz="5800" spc="-1" strike="noStrike">
+          <a:bodyPr lIns="0" tIns="0" rIns="0" bIns="0" anchor="ctr"/>
+          <a:lstStyle/>
+          <a:p>
+            <a:endParaRPr lang="ko-KR" sz="5800" b="0" strike="noStrike" spc="-1">
               <a:solidFill>
                 <a:srgbClr val="000000"/>
               </a:solidFill>
@@ -1200,11 +1370,12 @@
           </a:prstGeom>
         </p:spPr>
         <p:txBody>
-          <a:bodyPr lIns="0" rIns="0" tIns="0" bIns="0">
+          <a:bodyPr lIns="0" tIns="0" rIns="0" bIns="0">
             <a:normAutofit/>
           </a:bodyPr>
-          <a:p>
-            <a:endParaRPr b="0" lang="ko-KR" sz="10300" spc="-1" strike="noStrike">
+          <a:lstStyle/>
+          <a:p>
+            <a:endParaRPr lang="ko-KR" sz="10300" b="0" strike="noStrike" spc="-1">
               <a:solidFill>
                 <a:srgbClr val="000000"/>
               </a:solidFill>
@@ -1233,11 +1404,12 @@
           </a:prstGeom>
         </p:spPr>
         <p:txBody>
-          <a:bodyPr lIns="0" rIns="0" tIns="0" bIns="0">
+          <a:bodyPr lIns="0" tIns="0" rIns="0" bIns="0">
             <a:normAutofit/>
           </a:bodyPr>
-          <a:p>
-            <a:endParaRPr b="0" lang="ko-KR" sz="10300" spc="-1" strike="noStrike">
+          <a:lstStyle/>
+          <a:p>
+            <a:endParaRPr lang="ko-KR" sz="10300" b="0" strike="noStrike" spc="-1">
               <a:solidFill>
                 <a:srgbClr val="000000"/>
               </a:solidFill>
@@ -1266,11 +1438,12 @@
           </a:prstGeom>
         </p:spPr>
         <p:txBody>
-          <a:bodyPr lIns="0" rIns="0" tIns="0" bIns="0">
+          <a:bodyPr lIns="0" tIns="0" rIns="0" bIns="0">
             <a:normAutofit/>
           </a:bodyPr>
-          <a:p>
-            <a:endParaRPr b="0" lang="ko-KR" sz="10300" spc="-1" strike="noStrike">
+          <a:lstStyle/>
+          <a:p>
+            <a:endParaRPr lang="ko-KR" sz="10300" b="0" strike="noStrike" spc="-1">
               <a:solidFill>
                 <a:srgbClr val="000000"/>
               </a:solidFill>
@@ -1281,11 +1454,14 @@
       </p:sp>
     </p:spTree>
   </p:cSld>
+  <p:clrMapOvr>
+    <a:masterClrMapping/>
+  </p:clrMapOvr>
 </p:sldLayout>
 </file>
 
 <file path=ppt/slideLayouts/slideLayout9.xml><?xml version="1.0" encoding="utf-8"?>
-<p:sldLayout xmlns:a="http://schemas.openxmlformats.org/drawingml/2006/main" xmlns:p="http://schemas.openxmlformats.org/presentationml/2006/main" xmlns:r="http://schemas.openxmlformats.org/officeDocument/2006/relationships" xmlns:p14="http://schemas.microsoft.com/office/powerpoint/2010/main" xmlns:p15="http://schemas.microsoft.com/office/powerpoint/2012/main" xmlns:mc="http://schemas.openxmlformats.org/markup-compatibility/2006" type="twoObjOverTx" preserve="1">
+<p:sldLayout xmlns:a="http://schemas.openxmlformats.org/drawingml/2006/main" xmlns:r="http://schemas.openxmlformats.org/officeDocument/2006/relationships" xmlns:p="http://schemas.openxmlformats.org/presentationml/2006/main" type="twoObjOverTx" preserve="1">
   <p:cSld name="Title, 2 Content over Content">
     <p:spTree>
       <p:nvGrpSpPr>
@@ -1321,9 +1497,10 @@
           </a:prstGeom>
         </p:spPr>
         <p:txBody>
-          <a:bodyPr lIns="0" rIns="0" tIns="0" bIns="0" anchor="ctr"/>
-          <a:p>
-            <a:endParaRPr b="0" lang="ko-KR" sz="5800" spc="-1" strike="noStrike">
+          <a:bodyPr lIns="0" tIns="0" rIns="0" bIns="0" anchor="ctr"/>
+          <a:lstStyle/>
+          <a:p>
+            <a:endParaRPr lang="ko-KR" sz="5800" b="0" strike="noStrike" spc="-1">
               <a:solidFill>
                 <a:srgbClr val="000000"/>
               </a:solidFill>
@@ -1352,11 +1529,12 @@
           </a:prstGeom>
         </p:spPr>
         <p:txBody>
-          <a:bodyPr lIns="0" rIns="0" tIns="0" bIns="0">
+          <a:bodyPr lIns="0" tIns="0" rIns="0" bIns="0">
             <a:normAutofit/>
           </a:bodyPr>
-          <a:p>
-            <a:endParaRPr b="0" lang="ko-KR" sz="10300" spc="-1" strike="noStrike">
+          <a:lstStyle/>
+          <a:p>
+            <a:endParaRPr lang="ko-KR" sz="10300" b="0" strike="noStrike" spc="-1">
               <a:solidFill>
                 <a:srgbClr val="000000"/>
               </a:solidFill>
@@ -1385,11 +1563,12 @@
           </a:prstGeom>
         </p:spPr>
         <p:txBody>
-          <a:bodyPr lIns="0" rIns="0" tIns="0" bIns="0">
+          <a:bodyPr lIns="0" tIns="0" rIns="0" bIns="0">
             <a:normAutofit/>
           </a:bodyPr>
-          <a:p>
-            <a:endParaRPr b="0" lang="ko-KR" sz="10300" spc="-1" strike="noStrike">
+          <a:lstStyle/>
+          <a:p>
+            <a:endParaRPr lang="ko-KR" sz="10300" b="0" strike="noStrike" spc="-1">
               <a:solidFill>
                 <a:srgbClr val="000000"/>
               </a:solidFill>
@@ -1418,11 +1597,12 @@
           </a:prstGeom>
         </p:spPr>
         <p:txBody>
-          <a:bodyPr lIns="0" rIns="0" tIns="0" bIns="0">
+          <a:bodyPr lIns="0" tIns="0" rIns="0" bIns="0">
             <a:normAutofit/>
           </a:bodyPr>
-          <a:p>
-            <a:endParaRPr b="0" lang="ko-KR" sz="10300" spc="-1" strike="noStrike">
+          <a:lstStyle/>
+          <a:p>
+            <a:endParaRPr lang="ko-KR" sz="10300" b="0" strike="noStrike" spc="-1">
               <a:solidFill>
                 <a:srgbClr val="000000"/>
               </a:solidFill>
@@ -1433,17 +1613,21 @@
       </p:sp>
     </p:spTree>
   </p:cSld>
+  <p:clrMapOvr>
+    <a:masterClrMapping/>
+  </p:clrMapOvr>
 </p:sldLayout>
 </file>
 
 <file path=ppt/slideMasters/slideMaster1.xml><?xml version="1.0" encoding="utf-8"?>
-<p:sldMaster xmlns:a="http://schemas.openxmlformats.org/drawingml/2006/main" xmlns:p="http://schemas.openxmlformats.org/presentationml/2006/main" xmlns:r="http://schemas.openxmlformats.org/officeDocument/2006/relationships" xmlns:p14="http://schemas.microsoft.com/office/powerpoint/2010/main" xmlns:p15="http://schemas.microsoft.com/office/powerpoint/2012/main" xmlns:mc="http://schemas.openxmlformats.org/markup-compatibility/2006">
+<p:sldMaster xmlns:a="http://schemas.openxmlformats.org/drawingml/2006/main" xmlns:r="http://schemas.openxmlformats.org/officeDocument/2006/relationships" xmlns:p="http://schemas.openxmlformats.org/presentationml/2006/main">
   <p:cSld>
     <p:bg>
       <p:bgPr>
         <a:solidFill>
-          <a:srgbClr val="ffffff"/>
+          <a:srgbClr val="FFFFFF"/>
         </a:solidFill>
+        <a:effectLst/>
       </p:bgPr>
     </p:bg>
     <p:spTree>
@@ -1462,7 +1646,7 @@
       </p:grpSpPr>
       <p:sp>
         <p:nvSpPr>
-          <p:cNvPr id="0" name="PlaceHolder 1"/>
+          <p:cNvPr id="5" name="PlaceHolder 1"/>
           <p:cNvSpPr>
             <a:spLocks noGrp="1"/>
           </p:cNvSpPr>
@@ -1480,7 +1664,8 @@
           </a:prstGeom>
         </p:spPr>
         <p:txBody>
-          <a:bodyPr lIns="295200" rIns="295200" tIns="147600" bIns="147600" anchor="ctr"/>
+          <a:bodyPr lIns="295200" tIns="147600" rIns="295200" bIns="147600" anchor="ctr"/>
+          <a:lstStyle/>
           <a:p>
             <a:pPr algn="ctr">
               <a:lnSpc>
@@ -1488,7 +1673,7 @@
               </a:lnSpc>
             </a:pPr>
             <a:r>
-              <a:rPr b="0" lang="ko-KR" sz="14200" spc="-1" strike="noStrike">
+              <a:rPr lang="ko-KR" sz="14200" b="0" strike="noStrike" spc="-1">
                 <a:solidFill>
                   <a:srgbClr val="000000"/>
                 </a:solidFill>
@@ -1496,7 +1681,7 @@
               </a:rPr>
               <a:t>마스터 제목 스타일 편집</a:t>
             </a:r>
-            <a:endParaRPr b="0" lang="ko-KR" sz="14200" spc="-1" strike="noStrike">
+            <a:endParaRPr lang="ko-KR" sz="14200" b="0" strike="noStrike" spc="-1">
               <a:solidFill>
                 <a:srgbClr val="000000"/>
               </a:solidFill>
@@ -1507,7 +1692,7 @@
       </p:sp>
       <p:sp>
         <p:nvSpPr>
-          <p:cNvPr id="1" name="PlaceHolder 2"/>
+          <p:cNvPr id="6" name="PlaceHolder 2"/>
           <p:cNvSpPr>
             <a:spLocks noGrp="1"/>
           </p:cNvSpPr>
@@ -1525,7 +1710,8 @@
           </a:prstGeom>
         </p:spPr>
         <p:txBody>
-          <a:bodyPr lIns="295200" rIns="295200" tIns="147600" bIns="147600" anchor="ctr"/>
+          <a:bodyPr lIns="295200" tIns="147600" rIns="295200" bIns="147600" anchor="ctr"/>
+          <a:lstStyle/>
           <a:p>
             <a:pPr>
               <a:lnSpc>
@@ -1533,15 +1719,15 @@
               </a:lnSpc>
             </a:pPr>
             <a:fld id="{52541EDA-D59D-4C2F-B8D6-60CF796B2692}" type="datetime">
-              <a:rPr b="0" lang="en-US" sz="3900" spc="-1" strike="noStrike">
+              <a:rPr lang="en-US" sz="3900" b="0" strike="noStrike" spc="-1">
                 <a:solidFill>
-                  <a:srgbClr val="8b8b8b"/>
+                  <a:srgbClr val="8B8B8B"/>
                 </a:solidFill>
                 <a:latin typeface="맑은 고딕"/>
               </a:rPr>
-              <a:t>8/30/19</a:t>
+              <a:t>8/30/2019</a:t>
             </a:fld>
-            <a:endParaRPr b="0" lang="en-US" sz="3900" spc="-1" strike="noStrike">
+            <a:endParaRPr lang="en-US" sz="3900" b="0" strike="noStrike" spc="-1">
               <a:latin typeface="Times New Roman"/>
             </a:endParaRPr>
           </a:p>
@@ -1567,9 +1753,10 @@
           </a:prstGeom>
         </p:spPr>
         <p:txBody>
-          <a:bodyPr lIns="295200" rIns="295200" tIns="147600" bIns="147600" anchor="ctr"/>
-          <a:p>
-            <a:endParaRPr b="0" lang="en-US" sz="2400" spc="-1" strike="noStrike">
+          <a:bodyPr lIns="295200" tIns="147600" rIns="295200" bIns="147600" anchor="ctr"/>
+          <a:lstStyle/>
+          <a:p>
+            <a:endParaRPr lang="en-US" sz="2400" b="0" strike="noStrike" spc="-1">
               <a:latin typeface="Times New Roman"/>
             </a:endParaRPr>
           </a:p>
@@ -1595,7 +1782,8 @@
           </a:prstGeom>
         </p:spPr>
         <p:txBody>
-          <a:bodyPr lIns="295200" rIns="295200" tIns="147600" bIns="147600" anchor="ctr"/>
+          <a:bodyPr lIns="295200" tIns="147600" rIns="295200" bIns="147600" anchor="ctr"/>
+          <a:lstStyle/>
           <a:p>
             <a:pPr algn="r">
               <a:lnSpc>
@@ -1603,16 +1791,16 @@
               </a:lnSpc>
             </a:pPr>
             <a:fld id="{41C5370C-8638-422E-9D56-805498720ACC}" type="slidenum">
-              <a:rPr b="0" lang="en-US" sz="3900" spc="-1" strike="noStrike">
+              <a:rPr lang="en-US" sz="3900" b="0" strike="noStrike" spc="-1">
                 <a:solidFill>
                   <a:srgbClr val="898989"/>
                 </a:solidFill>
                 <a:latin typeface="맑은 고딕"/>
                 <a:ea typeface="맑은 고딕"/>
               </a:rPr>
-              <a:t>&lt;number&gt;</a:t>
+              <a:t>‹#›</a:t>
             </a:fld>
-            <a:endParaRPr b="0" lang="en-US" sz="3900" spc="-1" strike="noStrike">
+            <a:endParaRPr lang="en-US" sz="3900" b="0" strike="noStrike" spc="-1">
               <a:latin typeface="Times New Roman"/>
             </a:endParaRPr>
           </a:p>
@@ -1638,9 +1826,10 @@
           </a:prstGeom>
         </p:spPr>
         <p:txBody>
-          <a:bodyPr lIns="0" rIns="0" tIns="0" bIns="0">
+          <a:bodyPr lIns="0" tIns="0" rIns="0" bIns="0">
             <a:normAutofit/>
           </a:bodyPr>
+          <a:lstStyle/>
           <a:p>
             <a:pPr marL="432000" indent="-324000">
               <a:spcBef>
@@ -1654,7 +1843,7 @@
               <a:buChar char=""/>
             </a:pPr>
             <a:r>
-              <a:rPr b="0" lang="ko-KR" sz="10300" spc="-1" strike="noStrike">
+              <a:rPr lang="ko-KR" sz="10300" b="0" strike="noStrike" spc="-1">
                 <a:solidFill>
                   <a:srgbClr val="000000"/>
                 </a:solidFill>
@@ -1662,15 +1851,9 @@
               </a:rPr>
               <a:t>Click to edit the outline text format</a:t>
             </a:r>
-            <a:endParaRPr b="0" lang="ko-KR" sz="10300" spc="-1" strike="noStrike">
-              <a:solidFill>
-                <a:srgbClr val="000000"/>
-              </a:solidFill>
-              <a:latin typeface="맑은 고딕"/>
-            </a:endParaRPr>
-          </a:p>
-          <a:p>
-            <a:pPr lvl="1" marL="864000" indent="-324000">
+          </a:p>
+          <a:p>
+            <a:pPr marL="864000" lvl="1" indent="-324000">
               <a:spcBef>
                 <a:spcPts val="1134"/>
               </a:spcBef>
@@ -1682,7 +1865,7 @@
               <a:buChar char=""/>
             </a:pPr>
             <a:r>
-              <a:rPr b="0" lang="ko-KR" sz="7700" spc="-1" strike="noStrike">
+              <a:rPr lang="ko-KR" sz="7700" b="0" strike="noStrike" spc="-1">
                 <a:solidFill>
                   <a:srgbClr val="000000"/>
                 </a:solidFill>
@@ -1690,15 +1873,9 @@
               </a:rPr>
               <a:t>Second Outline Level</a:t>
             </a:r>
-            <a:endParaRPr b="0" lang="ko-KR" sz="7700" spc="-1" strike="noStrike">
-              <a:solidFill>
-                <a:srgbClr val="000000"/>
-              </a:solidFill>
-              <a:latin typeface="맑은 고딕"/>
-            </a:endParaRPr>
-          </a:p>
-          <a:p>
-            <a:pPr lvl="2" marL="1296000" indent="-288000">
+          </a:p>
+          <a:p>
+            <a:pPr marL="1296000" lvl="2" indent="-288000">
               <a:spcBef>
                 <a:spcPts val="850"/>
               </a:spcBef>
@@ -1710,7 +1887,7 @@
               <a:buChar char=""/>
             </a:pPr>
             <a:r>
-              <a:rPr b="0" lang="ko-KR" sz="6500" spc="-1" strike="noStrike">
+              <a:rPr lang="ko-KR" sz="6500" b="0" strike="noStrike" spc="-1">
                 <a:solidFill>
                   <a:srgbClr val="000000"/>
                 </a:solidFill>
@@ -1718,15 +1895,9 @@
               </a:rPr>
               <a:t>Third Outline Level</a:t>
             </a:r>
-            <a:endParaRPr b="0" lang="ko-KR" sz="6500" spc="-1" strike="noStrike">
-              <a:solidFill>
-                <a:srgbClr val="000000"/>
-              </a:solidFill>
-              <a:latin typeface="맑은 고딕"/>
-            </a:endParaRPr>
-          </a:p>
-          <a:p>
-            <a:pPr lvl="3" marL="1728000" indent="-216000">
+          </a:p>
+          <a:p>
+            <a:pPr marL="1728000" lvl="3" indent="-216000">
               <a:spcBef>
                 <a:spcPts val="567"/>
               </a:spcBef>
@@ -1738,7 +1909,7 @@
               <a:buChar char=""/>
             </a:pPr>
             <a:r>
-              <a:rPr b="0" lang="ko-KR" sz="6500" spc="-1" strike="noStrike">
+              <a:rPr lang="ko-KR" sz="6500" b="0" strike="noStrike" spc="-1">
                 <a:solidFill>
                   <a:srgbClr val="000000"/>
                 </a:solidFill>
@@ -1746,15 +1917,9 @@
               </a:rPr>
               <a:t>Fourth Outline Level</a:t>
             </a:r>
-            <a:endParaRPr b="0" lang="ko-KR" sz="6500" spc="-1" strike="noStrike">
-              <a:solidFill>
-                <a:srgbClr val="000000"/>
-              </a:solidFill>
-              <a:latin typeface="맑은 고딕"/>
-            </a:endParaRPr>
-          </a:p>
-          <a:p>
-            <a:pPr lvl="4" marL="2160000" indent="-216000">
+          </a:p>
+          <a:p>
+            <a:pPr marL="2160000" lvl="4" indent="-216000">
               <a:spcBef>
                 <a:spcPts val="283"/>
               </a:spcBef>
@@ -1766,7 +1931,7 @@
               <a:buChar char=""/>
             </a:pPr>
             <a:r>
-              <a:rPr b="0" lang="ko-KR" sz="2000" spc="-1" strike="noStrike">
+              <a:rPr lang="ko-KR" sz="2000" b="0" strike="noStrike" spc="-1">
                 <a:solidFill>
                   <a:srgbClr val="000000"/>
                 </a:solidFill>
@@ -1774,15 +1939,9 @@
               </a:rPr>
               <a:t>Fifth Outline Level</a:t>
             </a:r>
-            <a:endParaRPr b="0" lang="ko-KR" sz="2000" spc="-1" strike="noStrike">
-              <a:solidFill>
-                <a:srgbClr val="000000"/>
-              </a:solidFill>
-              <a:latin typeface="맑은 고딕"/>
-            </a:endParaRPr>
-          </a:p>
-          <a:p>
-            <a:pPr lvl="5" marL="2592000" indent="-216000">
+          </a:p>
+          <a:p>
+            <a:pPr marL="2592000" lvl="5" indent="-216000">
               <a:spcBef>
                 <a:spcPts val="283"/>
               </a:spcBef>
@@ -1794,7 +1953,7 @@
               <a:buChar char=""/>
             </a:pPr>
             <a:r>
-              <a:rPr b="0" lang="ko-KR" sz="2000" spc="-1" strike="noStrike">
+              <a:rPr lang="ko-KR" sz="2000" b="0" strike="noStrike" spc="-1">
                 <a:solidFill>
                   <a:srgbClr val="000000"/>
                 </a:solidFill>
@@ -1802,15 +1961,9 @@
               </a:rPr>
               <a:t>Sixth Outline Level</a:t>
             </a:r>
-            <a:endParaRPr b="0" lang="ko-KR" sz="2000" spc="-1" strike="noStrike">
-              <a:solidFill>
-                <a:srgbClr val="000000"/>
-              </a:solidFill>
-              <a:latin typeface="맑은 고딕"/>
-            </a:endParaRPr>
-          </a:p>
-          <a:p>
-            <a:pPr lvl="6" marL="3024000" indent="-216000">
+          </a:p>
+          <a:p>
+            <a:pPr marL="3024000" lvl="6" indent="-216000">
               <a:spcBef>
                 <a:spcPts val="283"/>
               </a:spcBef>
@@ -1822,7 +1975,7 @@
               <a:buChar char=""/>
             </a:pPr>
             <a:r>
-              <a:rPr b="0" lang="ko-KR" sz="2000" spc="-1" strike="noStrike">
+              <a:rPr lang="ko-KR" sz="2000" b="0" strike="noStrike" spc="-1">
                 <a:solidFill>
                   <a:srgbClr val="000000"/>
                 </a:solidFill>
@@ -1830,46 +1983,321 @@
               </a:rPr>
               <a:t>Seventh Outline Level</a:t>
             </a:r>
-            <a:endParaRPr b="0" lang="ko-KR" sz="2000" spc="-1" strike="noStrike">
-              <a:solidFill>
-                <a:srgbClr val="000000"/>
-              </a:solidFill>
-              <a:latin typeface="맑은 고딕"/>
-            </a:endParaRPr>
           </a:p>
         </p:txBody>
       </p:sp>
     </p:spTree>
   </p:cSld>
-  <p:clrMap bg1="lt1" bg2="lt2" tx1="dk1" tx2="dk2" accent1="accent1" accent2="accent2" accent3="accent3" accent4="accent4" accent5="accent5" accent6="accent6" hlink="hlink" folHlink="folHlink"/>
+  <p:clrMap bg1="lt1" tx1="dk1" bg2="lt2" tx2="dk2" accent1="accent1" accent2="accent2" accent3="accent3" accent4="accent4" accent5="accent5" accent6="accent6" hlink="hlink" folHlink="folHlink"/>
   <p:sldLayoutIdLst>
-    <p:sldLayoutId id="2147483649" r:id="rId2"/>
-    <p:sldLayoutId id="2147483650" r:id="rId3"/>
-    <p:sldLayoutId id="2147483651" r:id="rId4"/>
-    <p:sldLayoutId id="2147483652" r:id="rId5"/>
-    <p:sldLayoutId id="2147483653" r:id="rId6"/>
-    <p:sldLayoutId id="2147483654" r:id="rId7"/>
-    <p:sldLayoutId id="2147483655" r:id="rId8"/>
-    <p:sldLayoutId id="2147483656" r:id="rId9"/>
-    <p:sldLayoutId id="2147483657" r:id="rId10"/>
-    <p:sldLayoutId id="2147483658" r:id="rId11"/>
-    <p:sldLayoutId id="2147483659" r:id="rId12"/>
-    <p:sldLayoutId id="2147483660" r:id="rId13"/>
+    <p:sldLayoutId id="2147483649" r:id="rId1"/>
+    <p:sldLayoutId id="2147483650" r:id="rId2"/>
+    <p:sldLayoutId id="2147483651" r:id="rId3"/>
+    <p:sldLayoutId id="2147483652" r:id="rId4"/>
+    <p:sldLayoutId id="2147483653" r:id="rId5"/>
+    <p:sldLayoutId id="2147483654" r:id="rId6"/>
+    <p:sldLayoutId id="2147483655" r:id="rId7"/>
+    <p:sldLayoutId id="2147483656" r:id="rId8"/>
+    <p:sldLayoutId id="2147483657" r:id="rId9"/>
+    <p:sldLayoutId id="2147483658" r:id="rId10"/>
+    <p:sldLayoutId id="2147483659" r:id="rId11"/>
+    <p:sldLayoutId id="2147483660" r:id="rId12"/>
   </p:sldLayoutIdLst>
+  <p:txStyles>
+    <p:titleStyle>
+      <a:lvl1pPr algn="l" defTabSz="914400" rtl="0" eaLnBrk="1" latinLnBrk="1" hangingPunct="1">
+        <a:lnSpc>
+          <a:spcPct val="90000"/>
+        </a:lnSpc>
+        <a:spcBef>
+          <a:spcPct val="0"/>
+        </a:spcBef>
+        <a:buNone/>
+        <a:defRPr sz="4400" kern="1200">
+          <a:solidFill>
+            <a:schemeClr val="tx1"/>
+          </a:solidFill>
+          <a:latin typeface="+mj-lt"/>
+          <a:ea typeface="+mj-ea"/>
+          <a:cs typeface="+mj-cs"/>
+        </a:defRPr>
+      </a:lvl1pPr>
+    </p:titleStyle>
+    <p:bodyStyle>
+      <a:lvl1pPr marL="228600" indent="-228600" algn="l" defTabSz="914400" rtl="0" eaLnBrk="1" latinLnBrk="1" hangingPunct="1">
+        <a:lnSpc>
+          <a:spcPct val="90000"/>
+        </a:lnSpc>
+        <a:spcBef>
+          <a:spcPts val="1000"/>
+        </a:spcBef>
+        <a:buFont typeface="Arial" panose="020B0604020202020204" pitchFamily="34" charset="0"/>
+        <a:buChar char="•"/>
+        <a:defRPr sz="2800" kern="1200">
+          <a:solidFill>
+            <a:schemeClr val="tx1"/>
+          </a:solidFill>
+          <a:latin typeface="+mn-lt"/>
+          <a:ea typeface="+mn-ea"/>
+          <a:cs typeface="+mn-cs"/>
+        </a:defRPr>
+      </a:lvl1pPr>
+      <a:lvl2pPr marL="685800" indent="-228600" algn="l" defTabSz="914400" rtl="0" eaLnBrk="1" latinLnBrk="1" hangingPunct="1">
+        <a:lnSpc>
+          <a:spcPct val="90000"/>
+        </a:lnSpc>
+        <a:spcBef>
+          <a:spcPts val="500"/>
+        </a:spcBef>
+        <a:buFont typeface="Arial" panose="020B0604020202020204" pitchFamily="34" charset="0"/>
+        <a:buChar char="•"/>
+        <a:defRPr sz="2400" kern="1200">
+          <a:solidFill>
+            <a:schemeClr val="tx1"/>
+          </a:solidFill>
+          <a:latin typeface="+mn-lt"/>
+          <a:ea typeface="+mn-ea"/>
+          <a:cs typeface="+mn-cs"/>
+        </a:defRPr>
+      </a:lvl2pPr>
+      <a:lvl3pPr marL="1143000" indent="-228600" algn="l" defTabSz="914400" rtl="0" eaLnBrk="1" latinLnBrk="1" hangingPunct="1">
+        <a:lnSpc>
+          <a:spcPct val="90000"/>
+        </a:lnSpc>
+        <a:spcBef>
+          <a:spcPts val="500"/>
+        </a:spcBef>
+        <a:buFont typeface="Arial" panose="020B0604020202020204" pitchFamily="34" charset="0"/>
+        <a:buChar char="•"/>
+        <a:defRPr sz="2000" kern="1200">
+          <a:solidFill>
+            <a:schemeClr val="tx1"/>
+          </a:solidFill>
+          <a:latin typeface="+mn-lt"/>
+          <a:ea typeface="+mn-ea"/>
+          <a:cs typeface="+mn-cs"/>
+        </a:defRPr>
+      </a:lvl3pPr>
+      <a:lvl4pPr marL="1600200" indent="-228600" algn="l" defTabSz="914400" rtl="0" eaLnBrk="1" latinLnBrk="1" hangingPunct="1">
+        <a:lnSpc>
+          <a:spcPct val="90000"/>
+        </a:lnSpc>
+        <a:spcBef>
+          <a:spcPts val="500"/>
+        </a:spcBef>
+        <a:buFont typeface="Arial" panose="020B0604020202020204" pitchFamily="34" charset="0"/>
+        <a:buChar char="•"/>
+        <a:defRPr sz="1800" kern="1200">
+          <a:solidFill>
+            <a:schemeClr val="tx1"/>
+          </a:solidFill>
+          <a:latin typeface="+mn-lt"/>
+          <a:ea typeface="+mn-ea"/>
+          <a:cs typeface="+mn-cs"/>
+        </a:defRPr>
+      </a:lvl4pPr>
+      <a:lvl5pPr marL="2057400" indent="-228600" algn="l" defTabSz="914400" rtl="0" eaLnBrk="1" latinLnBrk="1" hangingPunct="1">
+        <a:lnSpc>
+          <a:spcPct val="90000"/>
+        </a:lnSpc>
+        <a:spcBef>
+          <a:spcPts val="500"/>
+        </a:spcBef>
+        <a:buFont typeface="Arial" panose="020B0604020202020204" pitchFamily="34" charset="0"/>
+        <a:buChar char="•"/>
+        <a:defRPr sz="1800" kern="1200">
+          <a:solidFill>
+            <a:schemeClr val="tx1"/>
+          </a:solidFill>
+          <a:latin typeface="+mn-lt"/>
+          <a:ea typeface="+mn-ea"/>
+          <a:cs typeface="+mn-cs"/>
+        </a:defRPr>
+      </a:lvl5pPr>
+      <a:lvl6pPr marL="2514600" indent="-228600" algn="l" defTabSz="914400" rtl="0" eaLnBrk="1" latinLnBrk="1" hangingPunct="1">
+        <a:lnSpc>
+          <a:spcPct val="90000"/>
+        </a:lnSpc>
+        <a:spcBef>
+          <a:spcPts val="500"/>
+        </a:spcBef>
+        <a:buFont typeface="Arial" panose="020B0604020202020204" pitchFamily="34" charset="0"/>
+        <a:buChar char="•"/>
+        <a:defRPr sz="1800" kern="1200">
+          <a:solidFill>
+            <a:schemeClr val="tx1"/>
+          </a:solidFill>
+          <a:latin typeface="+mn-lt"/>
+          <a:ea typeface="+mn-ea"/>
+          <a:cs typeface="+mn-cs"/>
+        </a:defRPr>
+      </a:lvl6pPr>
+      <a:lvl7pPr marL="2971800" indent="-228600" algn="l" defTabSz="914400" rtl="0" eaLnBrk="1" latinLnBrk="1" hangingPunct="1">
+        <a:lnSpc>
+          <a:spcPct val="90000"/>
+        </a:lnSpc>
+        <a:spcBef>
+          <a:spcPts val="500"/>
+        </a:spcBef>
+        <a:buFont typeface="Arial" panose="020B0604020202020204" pitchFamily="34" charset="0"/>
+        <a:buChar char="•"/>
+        <a:defRPr sz="1800" kern="1200">
+          <a:solidFill>
+            <a:schemeClr val="tx1"/>
+          </a:solidFill>
+          <a:latin typeface="+mn-lt"/>
+          <a:ea typeface="+mn-ea"/>
+          <a:cs typeface="+mn-cs"/>
+        </a:defRPr>
+      </a:lvl7pPr>
+      <a:lvl8pPr marL="3429000" indent="-228600" algn="l" defTabSz="914400" rtl="0" eaLnBrk="1" latinLnBrk="1" hangingPunct="1">
+        <a:lnSpc>
+          <a:spcPct val="90000"/>
+        </a:lnSpc>
+        <a:spcBef>
+          <a:spcPts val="500"/>
+        </a:spcBef>
+        <a:buFont typeface="Arial" panose="020B0604020202020204" pitchFamily="34" charset="0"/>
+        <a:buChar char="•"/>
+        <a:defRPr sz="1800" kern="1200">
+          <a:solidFill>
+            <a:schemeClr val="tx1"/>
+          </a:solidFill>
+          <a:latin typeface="+mn-lt"/>
+          <a:ea typeface="+mn-ea"/>
+          <a:cs typeface="+mn-cs"/>
+        </a:defRPr>
+      </a:lvl8pPr>
+      <a:lvl9pPr marL="3886200" indent="-228600" algn="l" defTabSz="914400" rtl="0" eaLnBrk="1" latinLnBrk="1" hangingPunct="1">
+        <a:lnSpc>
+          <a:spcPct val="90000"/>
+        </a:lnSpc>
+        <a:spcBef>
+          <a:spcPts val="500"/>
+        </a:spcBef>
+        <a:buFont typeface="Arial" panose="020B0604020202020204" pitchFamily="34" charset="0"/>
+        <a:buChar char="•"/>
+        <a:defRPr sz="1800" kern="1200">
+          <a:solidFill>
+            <a:schemeClr val="tx1"/>
+          </a:solidFill>
+          <a:latin typeface="+mn-lt"/>
+          <a:ea typeface="+mn-ea"/>
+          <a:cs typeface="+mn-cs"/>
+        </a:defRPr>
+      </a:lvl9pPr>
+    </p:bodyStyle>
+    <p:otherStyle>
+      <a:defPPr>
+        <a:defRPr lang="ko-KR"/>
+      </a:defPPr>
+      <a:lvl1pPr marL="0" algn="l" defTabSz="914400" rtl="0" eaLnBrk="1" latinLnBrk="1" hangingPunct="1">
+        <a:defRPr sz="1800" kern="1200">
+          <a:solidFill>
+            <a:schemeClr val="tx1"/>
+          </a:solidFill>
+          <a:latin typeface="+mn-lt"/>
+          <a:ea typeface="+mn-ea"/>
+          <a:cs typeface="+mn-cs"/>
+        </a:defRPr>
+      </a:lvl1pPr>
+      <a:lvl2pPr marL="457200" algn="l" defTabSz="914400" rtl="0" eaLnBrk="1" latinLnBrk="1" hangingPunct="1">
+        <a:defRPr sz="1800" kern="1200">
+          <a:solidFill>
+            <a:schemeClr val="tx1"/>
+          </a:solidFill>
+          <a:latin typeface="+mn-lt"/>
+          <a:ea typeface="+mn-ea"/>
+          <a:cs typeface="+mn-cs"/>
+        </a:defRPr>
+      </a:lvl2pPr>
+      <a:lvl3pPr marL="914400" algn="l" defTabSz="914400" rtl="0" eaLnBrk="1" latinLnBrk="1" hangingPunct="1">
+        <a:defRPr sz="1800" kern="1200">
+          <a:solidFill>
+            <a:schemeClr val="tx1"/>
+          </a:solidFill>
+          <a:latin typeface="+mn-lt"/>
+          <a:ea typeface="+mn-ea"/>
+          <a:cs typeface="+mn-cs"/>
+        </a:defRPr>
+      </a:lvl3pPr>
+      <a:lvl4pPr marL="1371600" algn="l" defTabSz="914400" rtl="0" eaLnBrk="1" latinLnBrk="1" hangingPunct="1">
+        <a:defRPr sz="1800" kern="1200">
+          <a:solidFill>
+            <a:schemeClr val="tx1"/>
+          </a:solidFill>
+          <a:latin typeface="+mn-lt"/>
+          <a:ea typeface="+mn-ea"/>
+          <a:cs typeface="+mn-cs"/>
+        </a:defRPr>
+      </a:lvl4pPr>
+      <a:lvl5pPr marL="1828800" algn="l" defTabSz="914400" rtl="0" eaLnBrk="1" latinLnBrk="1" hangingPunct="1">
+        <a:defRPr sz="1800" kern="1200">
+          <a:solidFill>
+            <a:schemeClr val="tx1"/>
+          </a:solidFill>
+          <a:latin typeface="+mn-lt"/>
+          <a:ea typeface="+mn-ea"/>
+          <a:cs typeface="+mn-cs"/>
+        </a:defRPr>
+      </a:lvl5pPr>
+      <a:lvl6pPr marL="2286000" algn="l" defTabSz="914400" rtl="0" eaLnBrk="1" latinLnBrk="1" hangingPunct="1">
+        <a:defRPr sz="1800" kern="1200">
+          <a:solidFill>
+            <a:schemeClr val="tx1"/>
+          </a:solidFill>
+          <a:latin typeface="+mn-lt"/>
+          <a:ea typeface="+mn-ea"/>
+          <a:cs typeface="+mn-cs"/>
+        </a:defRPr>
+      </a:lvl6pPr>
+      <a:lvl7pPr marL="2743200" algn="l" defTabSz="914400" rtl="0" eaLnBrk="1" latinLnBrk="1" hangingPunct="1">
+        <a:defRPr sz="1800" kern="1200">
+          <a:solidFill>
+            <a:schemeClr val="tx1"/>
+          </a:solidFill>
+          <a:latin typeface="+mn-lt"/>
+          <a:ea typeface="+mn-ea"/>
+          <a:cs typeface="+mn-cs"/>
+        </a:defRPr>
+      </a:lvl7pPr>
+      <a:lvl8pPr marL="3200400" algn="l" defTabSz="914400" rtl="0" eaLnBrk="1" latinLnBrk="1" hangingPunct="1">
+        <a:defRPr sz="1800" kern="1200">
+          <a:solidFill>
+            <a:schemeClr val="tx1"/>
+          </a:solidFill>
+          <a:latin typeface="+mn-lt"/>
+          <a:ea typeface="+mn-ea"/>
+          <a:cs typeface="+mn-cs"/>
+        </a:defRPr>
+      </a:lvl8pPr>
+      <a:lvl9pPr marL="3657600" algn="l" defTabSz="914400" rtl="0" eaLnBrk="1" latinLnBrk="1" hangingPunct="1">
+        <a:defRPr sz="1800" kern="1200">
+          <a:solidFill>
+            <a:schemeClr val="tx1"/>
+          </a:solidFill>
+          <a:latin typeface="+mn-lt"/>
+          <a:ea typeface="+mn-ea"/>
+          <a:cs typeface="+mn-cs"/>
+        </a:defRPr>
+      </a:lvl9pPr>
+    </p:otherStyle>
+  </p:txStyles>
 </p:sldMaster>
 </file>
 
 <file path=ppt/slides/slide1.xml><?xml version="1.0" encoding="utf-8"?>
-<p:sld xmlns:a="http://schemas.openxmlformats.org/drawingml/2006/main" xmlns:p="http://schemas.openxmlformats.org/presentationml/2006/main" xmlns:r="http://schemas.openxmlformats.org/officeDocument/2006/relationships" xmlns:p14="http://schemas.microsoft.com/office/powerpoint/2010/main" xmlns:p15="http://schemas.microsoft.com/office/powerpoint/2012/main" xmlns:mc="http://schemas.openxmlformats.org/markup-compatibility/2006">
+<p:sld xmlns:a="http://schemas.openxmlformats.org/drawingml/2006/main" xmlns:r="http://schemas.openxmlformats.org/officeDocument/2006/relationships" xmlns:p="http://schemas.openxmlformats.org/presentationml/2006/main">
   <p:cSld>
     <p:bg>
       <p:bgPr>
         <a:blipFill rotWithShape="0">
-          <a:blip r:embed="rId1"/>
+          <a:blip r:embed="rId2"/>
           <a:stretch>
             <a:fillRect/>
           </a:stretch>
         </a:blipFill>
+        <a:effectLst/>
       </p:bgPr>
     </p:bg>
     <p:spTree>
@@ -1906,7 +2334,8 @@
           </a:ln>
         </p:spPr>
         <p:txBody>
-          <a:bodyPr lIns="295200" rIns="295200" tIns="147600" bIns="147600" anchor="ctr"/>
+          <a:bodyPr lIns="295200" tIns="147600" rIns="295200" bIns="147600" anchor="ctr"/>
+          <a:lstStyle/>
           <a:p>
             <a:pPr algn="ctr">
               <a:lnSpc>
@@ -1914,42 +2343,15 @@
               </a:lnSpc>
             </a:pPr>
             <a:r>
-              <a:rPr b="1" lang="ko-KR" sz="6500" spc="-1" strike="noStrike">
+              <a:rPr lang="en-US" altLang="ko-KR" sz="6500" b="1" strike="noStrike" spc="-1" dirty="0">
                 <a:solidFill>
-                  <a:srgbClr val="ff0000"/>
+                  <a:srgbClr val="FF0000"/>
                 </a:solidFill>
                 <a:latin typeface="맑은 고딕"/>
               </a:rPr>
-              <a:t>제목을 입력하세요</a:t>
+              <a:t>Reinforcement Selfie Drone</a:t>
             </a:r>
-            <a:r>
-              <a:rPr b="1" lang="ko-KR" sz="6500" spc="-1" strike="noStrike">
-                <a:solidFill>
-                  <a:srgbClr val="ff0000"/>
-                </a:solidFill>
-                <a:latin typeface="맑은 고딕"/>
-              </a:rPr>
-              <a:t>. </a:t>
-            </a:r>
-            <a:r>
-              <a:rPr b="1" lang="ko-KR" sz="6500" spc="-1" strike="noStrike">
-                <a:solidFill>
-                  <a:srgbClr val="ff0000"/>
-                </a:solidFill>
-                <a:latin typeface="맑은 고딕"/>
-              </a:rPr>
-              <a:t>폰트</a:t>
-            </a:r>
-            <a:r>
-              <a:rPr b="1" lang="ko-KR" sz="6500" spc="-1" strike="noStrike">
-                <a:solidFill>
-                  <a:srgbClr val="ff0000"/>
-                </a:solidFill>
-                <a:latin typeface="맑은 고딕"/>
-              </a:rPr>
-              <a:t>65</a:t>
-            </a:r>
-            <a:endParaRPr b="0" lang="ko-KR" sz="6500" spc="-1" strike="noStrike">
+            <a:endParaRPr lang="ko-KR" sz="6500" b="0" strike="noStrike" spc="-1" dirty="0">
               <a:solidFill>
                 <a:srgbClr val="000000"/>
               </a:solidFill>
@@ -1978,13 +2380,20 @@
           </a:ln>
         </p:spPr>
         <p:style>
-          <a:lnRef idx="0"/>
-          <a:fillRef idx="0"/>
-          <a:effectRef idx="0"/>
+          <a:lnRef idx="0">
+            <a:scrgbClr r="0" g="0" b="0"/>
+          </a:lnRef>
+          <a:fillRef idx="0">
+            <a:scrgbClr r="0" g="0" b="0"/>
+          </a:fillRef>
+          <a:effectRef idx="0">
+            <a:scrgbClr r="0" g="0" b="0"/>
+          </a:effectRef>
           <a:fontRef idx="minor"/>
         </p:style>
         <p:txBody>
-          <a:bodyPr lIns="90000" rIns="90000" tIns="45000" bIns="45000"/>
+          <a:bodyPr lIns="90000" tIns="45000" rIns="90000" bIns="45000"/>
+          <a:lstStyle/>
           <a:p>
             <a:pPr>
               <a:lnSpc>
@@ -1992,19 +2401,29 @@
               </a:lnSpc>
             </a:pPr>
             <a:r>
-              <a:rPr b="1" lang="en-US" sz="4000" spc="-1" strike="noStrike">
+              <a:rPr lang="en-US" sz="4000" b="1" strike="noStrike" spc="-1" dirty="0" err="1">
                 <a:solidFill>
                   <a:srgbClr val="000000"/>
                 </a:solidFill>
                 <a:latin typeface="맑은 고딕"/>
                 <a:ea typeface="맑은 고딕"/>
               </a:rPr>
-              <a:t>학과 </a:t>
+              <a:t>학과</a:t>
             </a:r>
             <a:r>
-              <a:rPr b="1" lang="en-US" sz="4000" spc="-1" strike="noStrike">
+              <a:rPr lang="en-US" sz="4000" b="1" strike="noStrike" spc="-1" dirty="0">
                 <a:solidFill>
-                  <a:srgbClr val="ff0000"/>
+                  <a:srgbClr val="000000"/>
+                </a:solidFill>
+                <a:latin typeface="맑은 고딕"/>
+                <a:ea typeface="맑은 고딕"/>
+              </a:rPr>
+              <a:t> </a:t>
+            </a:r>
+            <a:r>
+              <a:rPr lang="en-US" sz="4000" b="1" strike="noStrike" spc="-1" dirty="0" err="1">
+                <a:solidFill>
+                  <a:srgbClr val="FF0000"/>
                 </a:solidFill>
                 <a:latin typeface="맑은 고딕"/>
                 <a:ea typeface="맑은 고딕"/>
@@ -2012,26 +2431,66 @@
               <a:t>전자공학부</a:t>
             </a:r>
             <a:r>
-              <a:rPr b="1" lang="en-US" sz="4000" spc="-1" strike="noStrike">
+              <a:rPr lang="en-US" sz="4000" b="1" strike="noStrike" spc="-1" dirty="0">
                 <a:solidFill>
                   <a:srgbClr val="000000"/>
                 </a:solidFill>
                 <a:latin typeface="맑은 고딕"/>
                 <a:ea typeface="맑은 고딕"/>
               </a:rPr>
-              <a:t>              지도교수 </a:t>
+              <a:t>              </a:t>
             </a:r>
             <a:r>
-              <a:rPr b="1" lang="en-US" sz="4000" spc="-1" strike="noStrike">
+              <a:rPr lang="en-US" sz="4000" b="1" strike="noStrike" spc="-1" dirty="0" err="1">
                 <a:solidFill>
-                  <a:srgbClr val="ff0000"/>
+                  <a:srgbClr val="000000"/>
                 </a:solidFill>
                 <a:latin typeface="맑은 고딕"/>
                 <a:ea typeface="맑은 고딕"/>
               </a:rPr>
-              <a:t>남해운 교수</a:t>
+              <a:t>지도교수</a:t>
             </a:r>
-            <a:endParaRPr b="0" lang="en-US" sz="4000" spc="-1" strike="noStrike">
+            <a:r>
+              <a:rPr lang="en-US" sz="4000" b="1" strike="noStrike" spc="-1" dirty="0">
+                <a:solidFill>
+                  <a:srgbClr val="000000"/>
+                </a:solidFill>
+                <a:latin typeface="맑은 고딕"/>
+                <a:ea typeface="맑은 고딕"/>
+              </a:rPr>
+              <a:t> </a:t>
+            </a:r>
+            <a:r>
+              <a:rPr lang="en-US" sz="4000" b="1" strike="noStrike" spc="-1" dirty="0" err="1">
+                <a:solidFill>
+                  <a:srgbClr val="FF0000"/>
+                </a:solidFill>
+                <a:latin typeface="맑은 고딕"/>
+                <a:ea typeface="맑은 고딕"/>
+              </a:rPr>
+              <a:t>남해운</a:t>
+            </a:r>
+            <a:r>
+              <a:rPr lang="en-US" sz="4000" b="1" strike="noStrike" spc="-1" dirty="0">
+                <a:solidFill>
+                  <a:srgbClr val="FF0000"/>
+                </a:solidFill>
+                <a:latin typeface="맑은 고딕"/>
+                <a:ea typeface="맑은 고딕"/>
+              </a:rPr>
+              <a:t> </a:t>
+            </a:r>
+            <a:r>
+              <a:rPr lang="en-US" sz="4000" b="1" strike="noStrike" spc="-1" dirty="0" err="1">
+                <a:solidFill>
+                  <a:srgbClr val="FF0000"/>
+                </a:solidFill>
+                <a:latin typeface="맑은 고딕"/>
+                <a:ea typeface="맑은 고딕"/>
+              </a:rPr>
+              <a:t>교수</a:t>
+            </a:r>
+            <a:endParaRPr lang="en-US" sz="4000" b="0" strike="noStrike" spc="-1" dirty="0">
               <a:latin typeface="Arial"/>
             </a:endParaRPr>
           </a:p>
@@ -2042,26 +2501,66 @@
               </a:lnSpc>
             </a:pPr>
             <a:r>
-              <a:rPr b="1" lang="en-US" sz="4000" spc="-1" strike="noStrike">
+              <a:rPr lang="en-US" sz="4000" b="1" strike="noStrike" spc="-1" dirty="0" err="1">
                 <a:solidFill>
                   <a:srgbClr val="000000"/>
                 </a:solidFill>
                 <a:latin typeface="맑은 고딕"/>
                 <a:ea typeface="맑은 고딕"/>
               </a:rPr>
-              <a:t>팀원 </a:t>
+              <a:t>팀원</a:t>
             </a:r>
             <a:r>
-              <a:rPr b="1" lang="en-US" sz="4000" spc="-1" strike="noStrike">
+              <a:rPr lang="en-US" sz="4000" b="1" strike="noStrike" spc="-1" dirty="0">
                 <a:solidFill>
-                  <a:srgbClr val="ff0000"/>
+                  <a:srgbClr val="000000"/>
                 </a:solidFill>
                 <a:latin typeface="맑은 고딕"/>
                 <a:ea typeface="맑은 고딕"/>
               </a:rPr>
-              <a:t>황인재 이진성 외 몇 </a:t>
+              <a:t> </a:t>
             </a:r>
-            <a:endParaRPr b="0" lang="en-US" sz="4000" spc="-1" strike="noStrike">
+            <a:r>
+              <a:rPr lang="en-US" sz="4000" b="1" strike="noStrike" spc="-1" dirty="0" err="1">
+                <a:solidFill>
+                  <a:srgbClr val="FF0000"/>
+                </a:solidFill>
+                <a:latin typeface="맑은 고딕"/>
+                <a:ea typeface="맑은 고딕"/>
+              </a:rPr>
+              <a:t>황인재</a:t>
+            </a:r>
+            <a:r>
+              <a:rPr lang="en-US" sz="4000" b="1" strike="noStrike" spc="-1" dirty="0">
+                <a:solidFill>
+                  <a:srgbClr val="FF0000"/>
+                </a:solidFill>
+                <a:latin typeface="맑은 고딕"/>
+                <a:ea typeface="맑은 고딕"/>
+              </a:rPr>
+              <a:t> </a:t>
+            </a:r>
+            <a:r>
+              <a:rPr lang="en-US" sz="4000" b="1" strike="noStrike" spc="-1" dirty="0" err="1">
+                <a:solidFill>
+                  <a:srgbClr val="FF0000"/>
+                </a:solidFill>
+                <a:latin typeface="맑은 고딕"/>
+                <a:ea typeface="맑은 고딕"/>
+              </a:rPr>
+              <a:t>이진성</a:t>
+            </a:r>
+            <a:r>
+              <a:rPr lang="en-US" sz="4000" b="1" strike="noStrike" spc="-1" dirty="0">
+                <a:solidFill>
+                  <a:srgbClr val="FF0000"/>
+                </a:solidFill>
+                <a:latin typeface="맑은 고딕"/>
+                <a:ea typeface="맑은 고딕"/>
+              </a:rPr>
+              <a:t> 외 몇 </a:t>
+            </a:r>
+            <a:endParaRPr lang="en-US" sz="4000" b="0" strike="noStrike" spc="-1" dirty="0">
               <a:latin typeface="Arial"/>
             </a:endParaRPr>
           </a:p>
@@ -2087,13 +2586,20 @@
           </a:ln>
         </p:spPr>
         <p:style>
-          <a:lnRef idx="0"/>
-          <a:fillRef idx="0"/>
-          <a:effectRef idx="0"/>
+          <a:lnRef idx="0">
+            <a:scrgbClr r="0" g="0" b="0"/>
+          </a:lnRef>
+          <a:fillRef idx="0">
+            <a:scrgbClr r="0" g="0" b="0"/>
+          </a:fillRef>
+          <a:effectRef idx="0">
+            <a:scrgbClr r="0" g="0" b="0"/>
+          </a:effectRef>
           <a:fontRef idx="minor"/>
         </p:style>
         <p:txBody>
-          <a:bodyPr lIns="90000" rIns="90000" tIns="45000" bIns="45000"/>
+          <a:bodyPr lIns="90000" tIns="45000" rIns="90000" bIns="45000"/>
+          <a:lstStyle/>
           <a:p>
             <a:pPr>
               <a:lnSpc>
@@ -2101,36 +2607,16 @@
               </a:lnSpc>
             </a:pPr>
             <a:r>
-              <a:rPr b="1" lang="en-US" sz="5800" spc="-1" strike="noStrike">
+              <a:rPr lang="en-US" sz="5800" b="1" strike="noStrike" spc="-1">
                 <a:solidFill>
-                  <a:srgbClr val="ff0000"/>
+                  <a:srgbClr val="FF0000"/>
                 </a:solidFill>
                 <a:latin typeface="맑은 고딕"/>
                 <a:ea typeface="맑은 고딕"/>
               </a:rPr>
-              <a:t>※ </a:t>
+              <a:t>※ 이 슬라이드에 작업해주시면 됩니다. </a:t>
             </a:r>
-            <a:r>
-              <a:rPr b="1" lang="en-US" sz="5800" spc="-1" strike="noStrike">
-                <a:solidFill>
-                  <a:srgbClr val="ff0000"/>
-                </a:solidFill>
-                <a:latin typeface="맑은 고딕"/>
-                <a:ea typeface="맑은 고딕"/>
-              </a:rPr>
-              <a:t>이 슬라이드에 작업해주시면 됩니다</a:t>
-            </a:r>
-            <a:r>
-              <a:rPr b="1" lang="en-US" sz="5800" spc="-1" strike="noStrike">
-                <a:solidFill>
-                  <a:srgbClr val="ff0000"/>
-                </a:solidFill>
-                <a:latin typeface="맑은 고딕"/>
-                <a:ea typeface="맑은 고딕"/>
-              </a:rPr>
-              <a:t>. </a:t>
-            </a:r>
-            <a:endParaRPr b="0" lang="en-US" sz="5800" spc="-1" strike="noStrike">
+            <a:endParaRPr lang="en-US" sz="5800" b="0" strike="noStrike" spc="-1">
               <a:latin typeface="Arial"/>
             </a:endParaRPr>
           </a:p>
@@ -2141,36 +2627,16 @@
               </a:lnSpc>
             </a:pPr>
             <a:r>
-              <a:rPr b="1" lang="en-US" sz="5800" spc="-1" strike="noStrike">
+              <a:rPr lang="en-US" sz="5800" b="1" strike="noStrike" spc="-1">
                 <a:solidFill>
-                  <a:srgbClr val="ff0000"/>
+                  <a:srgbClr val="FF0000"/>
                 </a:solidFill>
                 <a:latin typeface="맑은 고딕"/>
                 <a:ea typeface="맑은 고딕"/>
               </a:rPr>
-              <a:t>※ </a:t>
+              <a:t>※ 폰트는 ‘맑은 고딕’을 사용해주세요.</a:t>
             </a:r>
-            <a:r>
-              <a:rPr b="1" lang="en-US" sz="5800" spc="-1" strike="noStrike">
-                <a:solidFill>
-                  <a:srgbClr val="ff0000"/>
-                </a:solidFill>
-                <a:latin typeface="맑은 고딕"/>
-                <a:ea typeface="맑은 고딕"/>
-              </a:rPr>
-              <a:t>폰트는 ‘맑은 고딕’을 사용해주세요</a:t>
-            </a:r>
-            <a:r>
-              <a:rPr b="1" lang="en-US" sz="5800" spc="-1" strike="noStrike">
-                <a:solidFill>
-                  <a:srgbClr val="ff0000"/>
-                </a:solidFill>
-                <a:latin typeface="맑은 고딕"/>
-                <a:ea typeface="맑은 고딕"/>
-              </a:rPr>
-              <a:t>.</a:t>
-            </a:r>
-            <a:endParaRPr b="0" lang="en-US" sz="5800" spc="-1" strike="noStrike">
+            <a:endParaRPr lang="en-US" sz="5800" b="0" strike="noStrike" spc="-1">
               <a:latin typeface="Arial"/>
             </a:endParaRPr>
           </a:p>
@@ -2181,76 +2647,16 @@
               </a:lnSpc>
             </a:pPr>
             <a:r>
-              <a:rPr b="1" lang="en-US" sz="5800" spc="-1" strike="noStrike">
+              <a:rPr lang="en-US" sz="5800" b="1" strike="noStrike" spc="-1">
                 <a:solidFill>
-                  <a:srgbClr val="ff0000"/>
+                  <a:srgbClr val="FF0000"/>
                 </a:solidFill>
                 <a:latin typeface="맑은 고딕"/>
                 <a:ea typeface="맑은 고딕"/>
               </a:rPr>
-              <a:t>※ </a:t>
+              <a:t>※ 폰트사이즈는 제목 65, 팀 정보는 40입니다.</a:t>
             </a:r>
-            <a:r>
-              <a:rPr b="1" lang="en-US" sz="5800" spc="-1" strike="noStrike">
-                <a:solidFill>
-                  <a:srgbClr val="ff0000"/>
-                </a:solidFill>
-                <a:latin typeface="맑은 고딕"/>
-                <a:ea typeface="맑은 고딕"/>
-              </a:rPr>
-              <a:t>폰트사이즈는 제목 </a:t>
-            </a:r>
-            <a:r>
-              <a:rPr b="1" lang="en-US" sz="5800" spc="-1" strike="noStrike">
-                <a:solidFill>
-                  <a:srgbClr val="ff0000"/>
-                </a:solidFill>
-                <a:latin typeface="맑은 고딕"/>
-                <a:ea typeface="맑은 고딕"/>
-              </a:rPr>
-              <a:t>65, </a:t>
-            </a:r>
-            <a:r>
-              <a:rPr b="1" lang="en-US" sz="5800" spc="-1" strike="noStrike">
-                <a:solidFill>
-                  <a:srgbClr val="ff0000"/>
-                </a:solidFill>
-                <a:latin typeface="맑은 고딕"/>
-                <a:ea typeface="맑은 고딕"/>
-              </a:rPr>
-              <a:t>팀 정보는 </a:t>
-            </a:r>
-            <a:r>
-              <a:rPr b="1" lang="en-US" sz="5800" spc="-1" strike="noStrike">
-                <a:solidFill>
-                  <a:srgbClr val="ff0000"/>
-                </a:solidFill>
-                <a:latin typeface="맑은 고딕"/>
-                <a:ea typeface="맑은 고딕"/>
-              </a:rPr>
-              <a:t>40</a:t>
-            </a:r>
-            <a:r>
-              <a:rPr b="1" lang="en-US" sz="5800" spc="-1" strike="noStrike">
-                <a:solidFill>
-                  <a:srgbClr val="ff0000"/>
-                </a:solidFill>
-                <a:latin typeface="맑은 고딕"/>
-                <a:ea typeface="맑은 고딕"/>
-              </a:rPr>
-              <a:t>입니다</a:t>
-            </a:r>
-            <a:r>
-              <a:rPr b="1" lang="en-US" sz="5800" spc="-1" strike="noStrike">
-                <a:solidFill>
-                  <a:srgbClr val="ff0000"/>
-                </a:solidFill>
-                <a:latin typeface="맑은 고딕"/>
-                <a:ea typeface="맑은 고딕"/>
-              </a:rPr>
-              <a:t>.</a:t>
-            </a:r>
-            <a:endParaRPr b="0" lang="en-US" sz="5800" spc="-1" strike="noStrike">
+            <a:endParaRPr lang="en-US" sz="5800" b="0" strike="noStrike" spc="-1">
               <a:latin typeface="Arial"/>
             </a:endParaRPr>
           </a:p>
@@ -2258,6 +2664,9 @@
       </p:sp>
     </p:spTree>
   </p:cSld>
+  <p:clrMapOvr>
+    <a:masterClrMapping/>
+  </p:clrMapOvr>
   <p:timing>
     <p:tnLst>
       <p:par>
@@ -2266,14 +2675,14 @@
             <p:seq>
               <p:cTn id="2" dur="indefinite" nodeType="mainSeq"/>
               <p:prevCondLst>
-                <p:cond delay="0" evt="onPrev">
+                <p:cond evt="onPrev" delay="0">
                   <p:tgtEl>
                     <p:sldTgt/>
                   </p:tgtEl>
                 </p:cond>
               </p:prevCondLst>
               <p:nextCondLst>
-                <p:cond delay="0" evt="onNext">
+                <p:cond evt="onNext" delay="0">
                   <p:tgtEl>
                     <p:sldTgt/>
                   </p:tgtEl>
@@ -2299,31 +2708,31 @@
         <a:sysClr val="window" lastClr="FFFFFF"/>
       </a:lt1>
       <a:dk2>
-        <a:srgbClr val="1f497d"/>
+        <a:srgbClr val="1F497D"/>
       </a:dk2>
       <a:lt2>
-        <a:srgbClr val="eeece1"/>
+        <a:srgbClr val="EEECE1"/>
       </a:lt2>
       <a:accent1>
-        <a:srgbClr val="4f81bd"/>
+        <a:srgbClr val="4F81BD"/>
       </a:accent1>
       <a:accent2>
-        <a:srgbClr val="c0504d"/>
+        <a:srgbClr val="C0504D"/>
       </a:accent2>
       <a:accent3>
-        <a:srgbClr val="9bbb59"/>
+        <a:srgbClr val="9BBB59"/>
       </a:accent3>
       <a:accent4>
-        <a:srgbClr val="8064a2"/>
+        <a:srgbClr val="8064A2"/>
       </a:accent4>
       <a:accent5>
-        <a:srgbClr val="4bacc6"/>
+        <a:srgbClr val="4BACC6"/>
       </a:accent5>
       <a:accent6>
-        <a:srgbClr val="f79646"/>
+        <a:srgbClr val="F79646"/>
       </a:accent6>
       <a:hlink>
-        <a:srgbClr val="0000ff"/>
+        <a:srgbClr val="0000FF"/>
       </a:hlink>
       <a:folHlink>
         <a:srgbClr val="800080"/>
@@ -2508,5 +2917,7 @@
       </a:bgFillStyleLst>
     </a:fmtScheme>
   </a:themeElements>
+  <a:objectDefaults/>
+  <a:extraClrSchemeLst/>
 </a:theme>
 </file>